--- a/Pollinator abundance survey.pptx
+++ b/Pollinator abundance survey.pptx
@@ -5,16 +5,17 @@
     <p:sldMasterId id="2147483681" r:id="rId4"/>
   </p:sldMasterIdLst>
   <p:notesMasterIdLst>
-    <p:notesMasterId r:id="rId9"/>
+    <p:notesMasterId r:id="rId10"/>
   </p:notesMasterIdLst>
   <p:handoutMasterIdLst>
-    <p:handoutMasterId r:id="rId10"/>
+    <p:handoutMasterId r:id="rId11"/>
   </p:handoutMasterIdLst>
   <p:sldIdLst>
     <p:sldId id="256" r:id="rId5"/>
     <p:sldId id="257" r:id="rId6"/>
     <p:sldId id="258" r:id="rId7"/>
-    <p:sldId id="262" r:id="rId8"/>
+    <p:sldId id="263" r:id="rId8"/>
+    <p:sldId id="264" r:id="rId9"/>
   </p:sldIdLst>
   <p:sldSz cx="12192000" cy="6858000"/>
   <p:notesSz cx="6858000" cy="9144000"/>
@@ -218,7 +219,7 @@
           <a:p>
             <a:fld id="{B56F32FC-4BD9-442A-A8C6-51598C909FE3}" type="datetimeFigureOut">
               <a:rPr lang="en-US" smtClean="0"/>
-              <a:t>12/11/22</a:t>
+              <a:t>12/11/2022</a:t>
             </a:fld>
             <a:endParaRPr lang="en-US" dirty="0"/>
           </a:p>
@@ -395,7 +396,7 @@
           <a:p>
             <a:fld id="{056371FA-A98D-41E8-93F4-09945841298A}" type="datetimeFigureOut">
               <a:rPr lang="en-US" smtClean="0"/>
-              <a:t>12/11/22</a:t>
+              <a:t>12/11/2022</a:t>
             </a:fld>
             <a:endParaRPr lang="en-US" dirty="0"/>
           </a:p>
@@ -662,6 +663,130 @@
 </p:notesMaster>
 </file>
 
+<file path=ppt/notesSlides/notesSlide1.xml><?xml version="1.0" encoding="utf-8"?>
+<p:notes xmlns:a="http://schemas.openxmlformats.org/drawingml/2006/main" xmlns:r="http://schemas.openxmlformats.org/officeDocument/2006/relationships" xmlns:p="http://schemas.openxmlformats.org/presentationml/2006/main">
+  <p:cSld>
+    <p:spTree>
+      <p:nvGrpSpPr>
+        <p:cNvPr id="1" name=""/>
+        <p:cNvGrpSpPr/>
+        <p:nvPr/>
+      </p:nvGrpSpPr>
+      <p:grpSpPr>
+        <a:xfrm>
+          <a:off x="0" y="0"/>
+          <a:ext cx="0" cy="0"/>
+          <a:chOff x="0" y="0"/>
+          <a:chExt cx="0" cy="0"/>
+        </a:xfrm>
+      </p:grpSpPr>
+      <p:sp>
+        <p:nvSpPr>
+          <p:cNvPr id="2" name="Slide Image Placeholder 1"/>
+          <p:cNvSpPr>
+            <a:spLocks noGrp="1" noRot="1" noChangeAspect="1"/>
+          </p:cNvSpPr>
+          <p:nvPr>
+            <p:ph type="sldImg"/>
+          </p:nvPr>
+        </p:nvSpPr>
+        <p:spPr/>
+      </p:sp>
+      <p:sp>
+        <p:nvSpPr>
+          <p:cNvPr id="3" name="Notes Placeholder 2"/>
+          <p:cNvSpPr>
+            <a:spLocks noGrp="1"/>
+          </p:cNvSpPr>
+          <p:nvPr>
+            <p:ph type="body" idx="1"/>
+          </p:nvPr>
+        </p:nvSpPr>
+        <p:spPr/>
+        <p:txBody>
+          <a:bodyPr/>
+          <a:lstStyle/>
+          <a:p>
+            <a:r>
+              <a:rPr lang="en-US" dirty="0"/>
+              <a:t>Pollinator diversity is very low, with this patch favoring honeybees, large-bodied bees, and generalist flies</a:t>
+            </a:r>
+          </a:p>
+          <a:p>
+            <a:pPr lvl="1"/>
+            <a:r>
+              <a:rPr lang="en-US" dirty="0"/>
+              <a:t>Recent disturbance nearby is likely to confound this lack in diversity</a:t>
+            </a:r>
+          </a:p>
+          <a:p>
+            <a:r>
+              <a:rPr lang="en-US" dirty="0"/>
+              <a:t>Installation of a pollinator garden on campus would increase plant and pollinator diversity and abundance on campus</a:t>
+            </a:r>
+          </a:p>
+          <a:p>
+            <a:pPr lvl="1"/>
+            <a:r>
+              <a:rPr lang="en-US" dirty="0"/>
+              <a:t>Plant native species to attract a wide array of pollinators </a:t>
+            </a:r>
+          </a:p>
+          <a:p>
+            <a:pPr lvl="2"/>
+            <a:r>
+              <a:rPr lang="en-US" dirty="0"/>
+              <a:t>Study plant composition and pollinator diversity changes over time</a:t>
+            </a:r>
+          </a:p>
+          <a:p>
+            <a:pPr lvl="2"/>
+            <a:r>
+              <a:rPr lang="en-US" dirty="0"/>
+              <a:t>Develop a 3-year interval mowing protocol to maintain early successional meadow habitat</a:t>
+            </a:r>
+          </a:p>
+          <a:p>
+            <a:endParaRPr lang="en-US" dirty="0"/>
+          </a:p>
+        </p:txBody>
+      </p:sp>
+      <p:sp>
+        <p:nvSpPr>
+          <p:cNvPr id="4" name="Slide Number Placeholder 3"/>
+          <p:cNvSpPr>
+            <a:spLocks noGrp="1"/>
+          </p:cNvSpPr>
+          <p:nvPr>
+            <p:ph type="sldNum" sz="quarter" idx="5"/>
+          </p:nvPr>
+        </p:nvSpPr>
+        <p:spPr/>
+        <p:txBody>
+          <a:bodyPr/>
+          <a:lstStyle/>
+          <a:p>
+            <a:fld id="{22289C57-55D7-40A4-A101-E74FAC7A092B}" type="slidenum">
+              <a:rPr lang="en-US" smtClean="0"/>
+              <a:t>4</a:t>
+            </a:fld>
+            <a:endParaRPr lang="en-US" dirty="0"/>
+          </a:p>
+        </p:txBody>
+      </p:sp>
+    </p:spTree>
+    <p:extLst>
+      <p:ext uri="{BB962C8B-B14F-4D97-AF65-F5344CB8AC3E}">
+        <p14:creationId xmlns:p14="http://schemas.microsoft.com/office/powerpoint/2010/main" val="822137605"/>
+      </p:ext>
+    </p:extLst>
+  </p:cSld>
+  <p:clrMapOvr>
+    <a:masterClrMapping/>
+  </p:clrMapOvr>
+</p:notes>
+</file>
+
 <file path=ppt/slideLayouts/slideLayout1.xml><?xml version="1.0" encoding="utf-8"?>
 <p:sldLayout xmlns:a="http://schemas.openxmlformats.org/drawingml/2006/main" xmlns:r="http://schemas.openxmlformats.org/officeDocument/2006/relationships" xmlns:p="http://schemas.openxmlformats.org/presentationml/2006/main" showMasterSp="0" type="title" preserve="1">
   <p:cSld name="Title Slide">
@@ -832,7 +957,7 @@
             <a:fld id="{87DE6118-2437-4B30-8E3C-4D2BE6020583}" type="datetimeFigureOut">
               <a:rPr lang="en-US" smtClean="0"/>
               <a:pPr/>
-              <a:t>12/11/22</a:t>
+              <a:t>12/11/2022</a:t>
             </a:fld>
             <a:endParaRPr lang="en-US" dirty="0"/>
           </a:p>
@@ -10554,7 +10679,7 @@
         <p:spPr>
           <a:xfrm>
             <a:off x="1648918" y="2567166"/>
-            <a:ext cx="4966252" cy="1477328"/>
+            <a:ext cx="4966252" cy="3170099"/>
           </a:xfrm>
           <a:prstGeom prst="rect">
             <a:avLst/>
@@ -10568,16 +10693,61 @@
           <a:lstStyle/>
           <a:p>
             <a:r>
-              <a:rPr lang="en-US" dirty="0"/>
+              <a:rPr lang="en-US" sz="1600" dirty="0"/>
+              <a:t>Native bee species populations are declining </a:t>
+            </a:r>
+          </a:p>
+          <a:p>
+            <a:r>
+              <a:rPr lang="en-US" sz="1000" dirty="0"/>
+              <a:t>(</a:t>
+            </a:r>
+            <a:r>
+              <a:rPr lang="en-US" sz="1000" dirty="0" err="1"/>
+              <a:t>Kopec</a:t>
+            </a:r>
+            <a:r>
+              <a:rPr lang="en-US" sz="1000" dirty="0"/>
+              <a:t> and </a:t>
+            </a:r>
+            <a:r>
+              <a:rPr lang="en-US" sz="1000" dirty="0" err="1"/>
+              <a:t>Burd</a:t>
+            </a:r>
+            <a:r>
+              <a:rPr lang="en-US" sz="1000" dirty="0"/>
+              <a:t> 2017)</a:t>
+            </a:r>
+          </a:p>
+          <a:p>
+            <a:pPr marL="457200"/>
+            <a:r>
+              <a:rPr lang="en-US" sz="1600" dirty="0"/>
+              <a:t>About 1 in 4 species (~87 of 347 native bee species) are at risk of extinction</a:t>
+            </a:r>
+          </a:p>
+          <a:p>
+            <a:pPr marL="457200"/>
+            <a:r>
+              <a:rPr lang="en-US" sz="1600" dirty="0"/>
+              <a:t>Leading causes include, agricultural intensification, habitat destruction, pesticide use, climate change, and urbanization</a:t>
+            </a:r>
+          </a:p>
+          <a:p>
+            <a:endParaRPr lang="en-US" sz="1600" dirty="0"/>
+          </a:p>
+          <a:p>
+            <a:r>
+              <a:rPr lang="en-US" sz="1600" dirty="0"/>
               <a:t>How biodiverse is WCU campus for native plants and pollinators?</a:t>
             </a:r>
           </a:p>
           <a:p>
-            <a:endParaRPr lang="en-US" dirty="0"/>
-          </a:p>
-          <a:p>
-            <a:r>
-              <a:rPr lang="en-US" dirty="0"/>
+            <a:endParaRPr lang="en-US" sz="1600" dirty="0"/>
+          </a:p>
+          <a:p>
+            <a:r>
+              <a:rPr lang="en-US" sz="1600" dirty="0"/>
               <a:t>What management practices are beneficial to native plants and pollinators?</a:t>
             </a:r>
           </a:p>
@@ -10631,7 +10801,7 @@
         </p:nvSpPr>
         <p:spPr>
           <a:xfrm>
-            <a:off x="870856" y="0"/>
+            <a:off x="1390649" y="393079"/>
             <a:ext cx="10198171" cy="1325563"/>
           </a:xfrm>
         </p:spPr>
@@ -10650,15 +10820,7 @@
             </a:br>
             <a:r>
               <a:rPr lang="en-US" sz="2800" dirty="0"/>
-              <a:t>Field</a:t>
-            </a:r>
-            <a:r>
-              <a:rPr lang="en-US" dirty="0"/>
-              <a:t>					     </a:t>
-            </a:r>
-            <a:r>
-              <a:rPr lang="en-US" sz="2800" dirty="0"/>
-              <a:t>Literature Review</a:t>
+              <a:t>Field					       Literature Review</a:t>
             </a:r>
             <a:endParaRPr lang="en-US" dirty="0"/>
           </a:p>
@@ -10682,7 +10844,7 @@
         </p:nvSpPr>
         <p:spPr>
           <a:xfrm>
-            <a:off x="870857" y="1344834"/>
+            <a:off x="1390650" y="1737913"/>
             <a:ext cx="5225143" cy="4715473"/>
           </a:xfrm>
         </p:spPr>
@@ -10716,92 +10878,6 @@
       </p:sp>
       <p:sp>
         <p:nvSpPr>
-          <p:cNvPr id="5" name="Date Placeholder 4">
-            <a:extLst>
-              <a:ext uri="{FF2B5EF4-FFF2-40B4-BE49-F238E27FC236}">
-                <a16:creationId xmlns:a16="http://schemas.microsoft.com/office/drawing/2014/main" id="{9AB5BAF8-EA80-4AD4-8D83-5960C299573A}"/>
-              </a:ext>
-            </a:extLst>
-          </p:cNvPr>
-          <p:cNvSpPr>
-            <a:spLocks noGrp="1"/>
-          </p:cNvSpPr>
-          <p:nvPr>
-            <p:ph type="dt" sz="half" idx="10"/>
-          </p:nvPr>
-        </p:nvSpPr>
-        <p:spPr/>
-        <p:txBody>
-          <a:bodyPr/>
-          <a:lstStyle/>
-          <a:p>
-            <a:r>
-              <a:rPr lang="en-US" dirty="0"/>
-              <a:t>20XX</a:t>
-            </a:r>
-          </a:p>
-        </p:txBody>
-      </p:sp>
-      <p:sp>
-        <p:nvSpPr>
-          <p:cNvPr id="4" name="Footer Placeholder 3">
-            <a:extLst>
-              <a:ext uri="{FF2B5EF4-FFF2-40B4-BE49-F238E27FC236}">
-                <a16:creationId xmlns:a16="http://schemas.microsoft.com/office/drawing/2014/main" id="{36C19884-873C-4D13-BE6D-318CF07B0D12}"/>
-              </a:ext>
-            </a:extLst>
-          </p:cNvPr>
-          <p:cNvSpPr>
-            <a:spLocks noGrp="1"/>
-          </p:cNvSpPr>
-          <p:nvPr>
-            <p:ph type="ftr" sz="quarter" idx="11"/>
-          </p:nvPr>
-        </p:nvSpPr>
-        <p:spPr/>
-        <p:txBody>
-          <a:bodyPr/>
-          <a:lstStyle/>
-          <a:p>
-            <a:r>
-              <a:rPr lang="en-US" dirty="0"/>
-              <a:t>PRESENTATION TITLE</a:t>
-            </a:r>
-          </a:p>
-        </p:txBody>
-      </p:sp>
-      <p:sp>
-        <p:nvSpPr>
-          <p:cNvPr id="6" name="Slide Number Placeholder 5">
-            <a:extLst>
-              <a:ext uri="{FF2B5EF4-FFF2-40B4-BE49-F238E27FC236}">
-                <a16:creationId xmlns:a16="http://schemas.microsoft.com/office/drawing/2014/main" id="{7C991F00-87A7-45A6-8029-B097FA72498D}"/>
-              </a:ext>
-            </a:extLst>
-          </p:cNvPr>
-          <p:cNvSpPr>
-            <a:spLocks noGrp="1"/>
-          </p:cNvSpPr>
-          <p:nvPr>
-            <p:ph type="sldNum" sz="quarter" idx="12"/>
-          </p:nvPr>
-        </p:nvSpPr>
-        <p:spPr/>
-        <p:txBody>
-          <a:bodyPr/>
-          <a:lstStyle/>
-          <a:p>
-            <a:fld id="{A49DFD55-3C28-40EF-9E31-A92D2E4017FF}" type="slidenum">
-              <a:rPr lang="en-US" smtClean="0"/>
-              <a:pPr/>
-              <a:t>2</a:t>
-            </a:fld>
-            <a:endParaRPr lang="en-US" dirty="0"/>
-          </a:p>
-        </p:txBody>
-      </p:sp>
-      <p:sp>
-        <p:nvSpPr>
           <p:cNvPr id="8" name="Content Placeholder 2">
             <a:extLst>
               <a:ext uri="{FF2B5EF4-FFF2-40B4-BE49-F238E27FC236}">
@@ -10816,7 +10892,7 @@
         </p:nvSpPr>
         <p:spPr>
           <a:xfrm>
-            <a:off x="6096000" y="1325563"/>
+            <a:off x="6615793" y="1718642"/>
             <a:ext cx="5225143" cy="4715473"/>
           </a:xfrm>
           <a:prstGeom prst="rect">
@@ -11032,20 +11108,168 @@
           <a:p>
             <a:pPr lvl="1"/>
             <a:r>
+              <a:rPr lang="en-US" dirty="0" err="1"/>
+              <a:t>Moroń</a:t>
+            </a:r>
+            <a:r>
               <a:rPr lang="en-US" dirty="0"/>
-              <a:t>Moro et. </a:t>
-            </a:r>
-            <a:r>
-              <a:rPr lang="en-US"/>
-              <a:t>al 2007</a:t>
+              <a:t> et al. 2009</a:t>
+            </a:r>
+            <a:r>
+              <a:rPr lang="en-US" i="1" dirty="0"/>
+              <a:t> </a:t>
             </a:r>
           </a:p>
           <a:p>
             <a:pPr lvl="1"/>
             <a:r>
-              <a:rPr lang="en-US" i="1"/>
-              <a:t> </a:t>
-            </a:r>
+              <a:rPr lang="en-US" dirty="0" err="1"/>
+              <a:t>Moroń</a:t>
+            </a:r>
+            <a:r>
+              <a:rPr lang="en-US" dirty="0"/>
+              <a:t> et al. 2019</a:t>
+            </a:r>
+            <a:endParaRPr lang="en-US" i="1" dirty="0"/>
+          </a:p>
+          <a:p>
+            <a:pPr lvl="1"/>
+            <a:r>
+              <a:rPr lang="en-US" dirty="0" err="1"/>
+              <a:t>Moroń</a:t>
+            </a:r>
+            <a:r>
+              <a:rPr lang="en-US" dirty="0"/>
+              <a:t> et al. 2021</a:t>
+            </a:r>
+          </a:p>
+          <a:p>
+            <a:r>
+              <a:rPr lang="en-US" dirty="0"/>
+              <a:t>Reviewed conservation debate</a:t>
+            </a:r>
+          </a:p>
+          <a:p>
+            <a:pPr lvl="1"/>
+            <a:r>
+              <a:rPr lang="en-US" dirty="0" err="1"/>
+              <a:t>Senapathi</a:t>
+            </a:r>
+            <a:r>
+              <a:rPr lang="en-US" dirty="0"/>
+              <a:t> et al. 2015</a:t>
+            </a:r>
+          </a:p>
+          <a:p>
+            <a:pPr lvl="1"/>
+            <a:r>
+              <a:rPr lang="en-US" dirty="0" err="1"/>
+              <a:t>Mačić</a:t>
+            </a:r>
+            <a:r>
+              <a:rPr lang="en-US" dirty="0"/>
+              <a:t> et al. 2018</a:t>
+            </a:r>
+          </a:p>
+        </p:txBody>
+      </p:sp>
+      <p:sp>
+        <p:nvSpPr>
+          <p:cNvPr id="10" name="Date Placeholder 4">
+            <a:extLst>
+              <a:ext uri="{FF2B5EF4-FFF2-40B4-BE49-F238E27FC236}">
+                <a16:creationId xmlns:a16="http://schemas.microsoft.com/office/drawing/2014/main" id="{3421E58F-DEF0-9768-C403-D5F2FBFD8BAE}"/>
+              </a:ext>
+            </a:extLst>
+          </p:cNvPr>
+          <p:cNvSpPr>
+            <a:spLocks noGrp="1"/>
+          </p:cNvSpPr>
+          <p:nvPr>
+            <p:ph type="dt" sz="half" idx="10"/>
+          </p:nvPr>
+        </p:nvSpPr>
+        <p:spPr>
+          <a:xfrm>
+            <a:off x="1390650" y="6453386"/>
+            <a:ext cx="1204572" cy="404614"/>
+          </a:xfrm>
+        </p:spPr>
+        <p:txBody>
+          <a:bodyPr/>
+          <a:lstStyle/>
+          <a:p>
+            <a:r>
+              <a:rPr lang="en-US" dirty="0"/>
+              <a:t>2022</a:t>
+            </a:r>
+          </a:p>
+        </p:txBody>
+      </p:sp>
+      <p:sp>
+        <p:nvSpPr>
+          <p:cNvPr id="11" name="Footer Placeholder 3">
+            <a:extLst>
+              <a:ext uri="{FF2B5EF4-FFF2-40B4-BE49-F238E27FC236}">
+                <a16:creationId xmlns:a16="http://schemas.microsoft.com/office/drawing/2014/main" id="{F996631F-1EED-1AD1-34DC-935EA216C996}"/>
+              </a:ext>
+            </a:extLst>
+          </p:cNvPr>
+          <p:cNvSpPr>
+            <a:spLocks noGrp="1"/>
+          </p:cNvSpPr>
+          <p:nvPr>
+            <p:ph type="ftr" sz="quarter" idx="11"/>
+          </p:nvPr>
+        </p:nvSpPr>
+        <p:spPr>
+          <a:xfrm>
+            <a:off x="2893564" y="6453386"/>
+            <a:ext cx="6280830" cy="404614"/>
+          </a:xfrm>
+        </p:spPr>
+        <p:txBody>
+          <a:bodyPr/>
+          <a:lstStyle/>
+          <a:p>
+            <a:r>
+              <a:rPr lang="en-US" dirty="0"/>
+              <a:t>Pollinator abundance and diversity on WCU campus</a:t>
+            </a:r>
+          </a:p>
+        </p:txBody>
+      </p:sp>
+      <p:sp>
+        <p:nvSpPr>
+          <p:cNvPr id="12" name="Slide Number Placeholder 5">
+            <a:extLst>
+              <a:ext uri="{FF2B5EF4-FFF2-40B4-BE49-F238E27FC236}">
+                <a16:creationId xmlns:a16="http://schemas.microsoft.com/office/drawing/2014/main" id="{DF6535D6-24CD-865E-A888-F8B27D472F83}"/>
+              </a:ext>
+            </a:extLst>
+          </p:cNvPr>
+          <p:cNvSpPr>
+            <a:spLocks noGrp="1"/>
+          </p:cNvSpPr>
+          <p:nvPr>
+            <p:ph type="sldNum" sz="quarter" idx="12"/>
+          </p:nvPr>
+        </p:nvSpPr>
+        <p:spPr>
+          <a:xfrm>
+            <a:off x="9472736" y="6453386"/>
+            <a:ext cx="1596292" cy="404614"/>
+          </a:xfrm>
+        </p:spPr>
+        <p:txBody>
+          <a:bodyPr/>
+          <a:lstStyle/>
+          <a:p>
+            <a:fld id="{A49DFD55-3C28-40EF-9E31-A92D2E4017FF}" type="slidenum">
+              <a:rPr lang="en-US" smtClean="0"/>
+              <a:pPr/>
+              <a:t>2</a:t>
+            </a:fld>
             <a:endParaRPr lang="en-US" dirty="0"/>
           </a:p>
         </p:txBody>
@@ -11066,6 +11290,14 @@
 <file path=ppt/slides/slide3.xml><?xml version="1.0" encoding="utf-8"?>
 <p:sld xmlns:a="http://schemas.openxmlformats.org/drawingml/2006/main" xmlns:r="http://schemas.openxmlformats.org/officeDocument/2006/relationships" xmlns:p="http://schemas.openxmlformats.org/presentationml/2006/main">
   <p:cSld>
+    <p:bg>
+      <p:bgPr>
+        <a:solidFill>
+          <a:schemeClr val="tx1"/>
+        </a:solidFill>
+        <a:effectLst/>
+      </p:bgPr>
+    </p:bg>
     <p:spTree>
       <p:nvGrpSpPr>
         <p:cNvPr id="1" name=""/>
@@ -11082,10 +11314,10 @@
       </p:grpSpPr>
       <p:sp>
         <p:nvSpPr>
-          <p:cNvPr id="2" name="Title 1">
+          <p:cNvPr id="10" name="Title 1">
             <a:extLst>
               <a:ext uri="{FF2B5EF4-FFF2-40B4-BE49-F238E27FC236}">
-                <a16:creationId xmlns:a16="http://schemas.microsoft.com/office/drawing/2014/main" id="{0A32731C-311B-46F7-A865-6C3AF6B09A47}"/>
+                <a16:creationId xmlns:a16="http://schemas.microsoft.com/office/drawing/2014/main" id="{E150B366-8A84-6A5A-F13D-AAD76A707D18}"/>
               </a:ext>
             </a:extLst>
           </p:cNvPr>
@@ -11096,24 +11328,167 @@
             <p:ph type="title"/>
           </p:nvPr>
         </p:nvSpPr>
-        <p:spPr/>
+        <p:spPr>
+          <a:xfrm>
+            <a:off x="829339" y="4380614"/>
+            <a:ext cx="10198171" cy="1325563"/>
+          </a:xfrm>
+        </p:spPr>
+        <p:txBody>
+          <a:bodyPr>
+            <a:normAutofit/>
+          </a:bodyPr>
+          <a:lstStyle/>
+          <a:p>
+            <a:r>
+              <a:rPr lang="en-US" sz="4400" dirty="0">
+                <a:solidFill>
+                  <a:schemeClr val="bg1"/>
+                </a:solidFill>
+              </a:rPr>
+              <a:t>Results</a:t>
+            </a:r>
+            <a:endParaRPr lang="en-US" dirty="0">
+              <a:solidFill>
+                <a:schemeClr val="bg1"/>
+              </a:solidFill>
+            </a:endParaRPr>
+          </a:p>
+        </p:txBody>
+      </p:sp>
+      <p:pic>
+        <p:nvPicPr>
+          <p:cNvPr id="14" name="Picture 13" descr="Chart, box and whisker chart&#10;&#10;Description automatically generated">
+            <a:extLst>
+              <a:ext uri="{FF2B5EF4-FFF2-40B4-BE49-F238E27FC236}">
+                <a16:creationId xmlns:a16="http://schemas.microsoft.com/office/drawing/2014/main" id="{8C327F25-1788-6415-A2A0-4B72848845EC}"/>
+              </a:ext>
+            </a:extLst>
+          </p:cNvPr>
+          <p:cNvPicPr>
+            <a:picLocks noChangeAspect="1"/>
+          </p:cNvPicPr>
+          <p:nvPr/>
+        </p:nvPicPr>
+        <p:blipFill>
+          <a:blip r:embed="rId2"/>
+          <a:stretch>
+            <a:fillRect/>
+          </a:stretch>
+        </p:blipFill>
+        <p:spPr>
+          <a:xfrm>
+            <a:off x="1164490" y="1151823"/>
+            <a:ext cx="6667843" cy="4115011"/>
+          </a:xfrm>
+          <a:prstGeom prst="rect">
+            <a:avLst/>
+          </a:prstGeom>
+        </p:spPr>
+      </p:pic>
+      <p:sp>
+        <p:nvSpPr>
+          <p:cNvPr id="15" name="TextBox 14">
+            <a:extLst>
+              <a:ext uri="{FF2B5EF4-FFF2-40B4-BE49-F238E27FC236}">
+                <a16:creationId xmlns:a16="http://schemas.microsoft.com/office/drawing/2014/main" id="{DF605FCE-C671-F955-E60C-49118240A932}"/>
+              </a:ext>
+            </a:extLst>
+          </p:cNvPr>
+          <p:cNvSpPr txBox="1"/>
+          <p:nvPr/>
+        </p:nvSpPr>
+        <p:spPr>
+          <a:xfrm>
+            <a:off x="1164490" y="5336844"/>
+            <a:ext cx="6909835" cy="1015663"/>
+          </a:xfrm>
+          <a:prstGeom prst="rect">
+            <a:avLst/>
+          </a:prstGeom>
+          <a:noFill/>
+        </p:spPr>
+        <p:txBody>
+          <a:bodyPr wrap="square" rtlCol="0">
+            <a:spAutoFit/>
+          </a:bodyPr>
+          <a:lstStyle/>
+          <a:p>
+            <a:r>
+              <a:rPr lang="en-US" sz="1200" dirty="0">
+                <a:solidFill>
+                  <a:schemeClr val="bg1"/>
+                </a:solidFill>
+              </a:rPr>
+              <a:t>Figure 1. Pollinator abundance and diversity curve for a strip dominated by </a:t>
+            </a:r>
+            <a:r>
+              <a:rPr lang="en-US" sz="1200" i="1" dirty="0">
+                <a:solidFill>
+                  <a:schemeClr val="bg1"/>
+                </a:solidFill>
+              </a:rPr>
+              <a:t>Solidago spp. </a:t>
+            </a:r>
+            <a:r>
+              <a:rPr lang="en-US" sz="1200" dirty="0">
+                <a:solidFill>
+                  <a:schemeClr val="bg1"/>
+                </a:solidFill>
+              </a:rPr>
+              <a:t>on WCU campus. Boxes are color coordinated to pollinator type with the thicker bar depicting the mean number of visits. Dots indicate possible outlying data points. Shannon Diversity Index = 1.89, species richness = 9, and Species evenness = 0.845. Figure generated from 38 observation intervals of 1136 total pollinator flower visits.</a:t>
+            </a:r>
+            <a:endParaRPr lang="en-US" dirty="0">
+              <a:solidFill>
+                <a:schemeClr val="bg1"/>
+              </a:solidFill>
+            </a:endParaRPr>
+          </a:p>
+        </p:txBody>
+      </p:sp>
+      <p:sp>
+        <p:nvSpPr>
+          <p:cNvPr id="16" name="Date Placeholder 4">
+            <a:extLst>
+              <a:ext uri="{FF2B5EF4-FFF2-40B4-BE49-F238E27FC236}">
+                <a16:creationId xmlns:a16="http://schemas.microsoft.com/office/drawing/2014/main" id="{FF51E546-6CBE-8B81-26F0-C4D6C83CED2B}"/>
+              </a:ext>
+            </a:extLst>
+          </p:cNvPr>
+          <p:cNvSpPr>
+            <a:spLocks noGrp="1"/>
+          </p:cNvSpPr>
+          <p:nvPr>
+            <p:ph type="dt" sz="half" idx="10"/>
+          </p:nvPr>
+        </p:nvSpPr>
+        <p:spPr>
+          <a:xfrm>
+            <a:off x="1390650" y="6453386"/>
+            <a:ext cx="1204572" cy="404614"/>
+          </a:xfrm>
+        </p:spPr>
         <p:txBody>
           <a:bodyPr/>
           <a:lstStyle/>
           <a:p>
             <a:r>
-              <a:rPr lang="en-US" dirty="0"/>
-              <a:t>Results</a:t>
-            </a:r>
-          </a:p>
-        </p:txBody>
-      </p:sp>
-      <p:sp>
-        <p:nvSpPr>
-          <p:cNvPr id="3" name="Text Placeholder 2">
+              <a:rPr lang="en-US" dirty="0">
+                <a:solidFill>
+                  <a:schemeClr val="bg1"/>
+                </a:solidFill>
+              </a:rPr>
+              <a:t>2022</a:t>
+            </a:r>
+          </a:p>
+        </p:txBody>
+      </p:sp>
+      <p:sp>
+        <p:nvSpPr>
+          <p:cNvPr id="17" name="Footer Placeholder 3">
             <a:extLst>
               <a:ext uri="{FF2B5EF4-FFF2-40B4-BE49-F238E27FC236}">
-                <a16:creationId xmlns:a16="http://schemas.microsoft.com/office/drawing/2014/main" id="{9D5232F9-FD00-464A-9F17-619C91AEF8F3}"/>
+                <a16:creationId xmlns:a16="http://schemas.microsoft.com/office/drawing/2014/main" id="{874E116F-D7DA-DD65-6F86-2A7790EE9BAE}"/>
               </a:ext>
             </a:extLst>
           </p:cNvPr>
@@ -11121,29 +11496,36 @@
             <a:spLocks noGrp="1"/>
           </p:cNvSpPr>
           <p:nvPr>
-            <p:ph type="body" idx="1"/>
-          </p:nvPr>
-        </p:nvSpPr>
-        <p:spPr/>
-        <p:txBody>
-          <a:bodyPr>
-            <a:normAutofit fontScale="92500" lnSpcReduction="10000"/>
-          </a:bodyPr>
+            <p:ph type="ftr" sz="quarter" idx="11"/>
+          </p:nvPr>
+        </p:nvSpPr>
+        <p:spPr>
+          <a:xfrm>
+            <a:off x="2893564" y="6453386"/>
+            <a:ext cx="6280830" cy="404614"/>
+          </a:xfrm>
+        </p:spPr>
+        <p:txBody>
+          <a:bodyPr/>
           <a:lstStyle/>
           <a:p>
             <a:r>
-              <a:rPr lang="en-US" dirty="0"/>
-              <a:t>At Contoso, we empower organizations to foster collaborative thinking to further drive workplace innovation. By closing the loop and leveraging agile frameworks, we help business grow organically and foster a consumer-first mindset.​</a:t>
-            </a:r>
-          </a:p>
-        </p:txBody>
-      </p:sp>
-      <p:sp>
-        <p:nvSpPr>
-          <p:cNvPr id="4" name="Date Placeholder 3">
+              <a:rPr lang="en-US" dirty="0">
+                <a:solidFill>
+                  <a:schemeClr val="bg1"/>
+                </a:solidFill>
+              </a:rPr>
+              <a:t>Pollinator abundance and diversity on WCU campus</a:t>
+            </a:r>
+          </a:p>
+        </p:txBody>
+      </p:sp>
+      <p:sp>
+        <p:nvSpPr>
+          <p:cNvPr id="18" name="Slide Number Placeholder 5">
             <a:extLst>
               <a:ext uri="{FF2B5EF4-FFF2-40B4-BE49-F238E27FC236}">
-                <a16:creationId xmlns:a16="http://schemas.microsoft.com/office/drawing/2014/main" id="{70E12647-CCB2-45E2-A9CB-A868F490497E}"/>
+                <a16:creationId xmlns:a16="http://schemas.microsoft.com/office/drawing/2014/main" id="{D2FD356A-0E7E-AEB4-7A30-6C9E2DCF771F}"/>
               </a:ext>
             </a:extLst>
           </p:cNvPr>
@@ -11151,76 +11533,33 @@
             <a:spLocks noGrp="1"/>
           </p:cNvSpPr>
           <p:nvPr>
-            <p:ph type="dt" sz="half" idx="10"/>
-          </p:nvPr>
-        </p:nvSpPr>
-        <p:spPr/>
+            <p:ph type="sldNum" sz="quarter" idx="12"/>
+          </p:nvPr>
+        </p:nvSpPr>
+        <p:spPr>
+          <a:xfrm>
+            <a:off x="9472736" y="6453386"/>
+            <a:ext cx="1596292" cy="404614"/>
+          </a:xfrm>
+        </p:spPr>
         <p:txBody>
           <a:bodyPr/>
           <a:lstStyle/>
           <a:p>
-            <a:r>
-              <a:rPr lang="en-US" dirty="0"/>
-              <a:t>20XX</a:t>
-            </a:r>
-          </a:p>
-        </p:txBody>
-      </p:sp>
-      <p:sp>
-        <p:nvSpPr>
-          <p:cNvPr id="5" name="Footer Placeholder 4">
-            <a:extLst>
-              <a:ext uri="{FF2B5EF4-FFF2-40B4-BE49-F238E27FC236}">
-                <a16:creationId xmlns:a16="http://schemas.microsoft.com/office/drawing/2014/main" id="{8D51ED20-04D4-4894-B0C2-9C541A61A734}"/>
-              </a:ext>
-            </a:extLst>
-          </p:cNvPr>
-          <p:cNvSpPr>
-            <a:spLocks noGrp="1"/>
-          </p:cNvSpPr>
-          <p:nvPr>
-            <p:ph type="ftr" sz="quarter" idx="11"/>
-          </p:nvPr>
-        </p:nvSpPr>
-        <p:spPr/>
-        <p:txBody>
-          <a:bodyPr/>
-          <a:lstStyle/>
-          <a:p>
-            <a:r>
-              <a:rPr lang="en-US" dirty="0"/>
-              <a:t>PRESENTATION TITLE</a:t>
-            </a:r>
-          </a:p>
-        </p:txBody>
-      </p:sp>
-      <p:sp>
-        <p:nvSpPr>
-          <p:cNvPr id="6" name="Slide Number Placeholder 5">
-            <a:extLst>
-              <a:ext uri="{FF2B5EF4-FFF2-40B4-BE49-F238E27FC236}">
-                <a16:creationId xmlns:a16="http://schemas.microsoft.com/office/drawing/2014/main" id="{7BC1787E-7110-4989-B0B8-DD4E0ACC09DF}"/>
-              </a:ext>
-            </a:extLst>
-          </p:cNvPr>
-          <p:cNvSpPr>
-            <a:spLocks noGrp="1"/>
-          </p:cNvSpPr>
-          <p:nvPr>
-            <p:ph type="sldNum" sz="quarter" idx="12"/>
-          </p:nvPr>
-        </p:nvSpPr>
-        <p:spPr/>
-        <p:txBody>
-          <a:bodyPr/>
-          <a:lstStyle/>
-          <a:p>
             <a:fld id="{A49DFD55-3C28-40EF-9E31-A92D2E4017FF}" type="slidenum">
-              <a:rPr lang="en-US" smtClean="0"/>
+              <a:rPr lang="en-US" smtClean="0">
+                <a:solidFill>
+                  <a:schemeClr val="bg1"/>
+                </a:solidFill>
+              </a:rPr>
               <a:pPr/>
               <a:t>3</a:t>
             </a:fld>
-            <a:endParaRPr lang="en-US" dirty="0"/>
+            <a:endParaRPr lang="en-US" dirty="0">
+              <a:solidFill>
+                <a:schemeClr val="bg1"/>
+              </a:solidFill>
+            </a:endParaRPr>
           </a:p>
         </p:txBody>
       </p:sp>
@@ -11256,10 +11595,10 @@
       </p:grpSpPr>
       <p:sp>
         <p:nvSpPr>
-          <p:cNvPr id="2" name="Title 1">
+          <p:cNvPr id="5" name="Date Placeholder 4">
             <a:extLst>
               <a:ext uri="{FF2B5EF4-FFF2-40B4-BE49-F238E27FC236}">
-                <a16:creationId xmlns:a16="http://schemas.microsoft.com/office/drawing/2014/main" id="{B1FE5F11-B7B9-4B80-8C6A-A8A7A7190B77}"/>
+                <a16:creationId xmlns:a16="http://schemas.microsoft.com/office/drawing/2014/main" id="{9AB5BAF8-EA80-4AD4-8D83-5960C299573A}"/>
               </a:ext>
             </a:extLst>
           </p:cNvPr>
@@ -11267,7 +11606,7 @@
             <a:spLocks noGrp="1"/>
           </p:cNvSpPr>
           <p:nvPr>
-            <p:ph type="ctrTitle"/>
+            <p:ph type="dt" sz="half" idx="10"/>
           </p:nvPr>
         </p:nvSpPr>
         <p:spPr/>
@@ -11277,17 +11616,17 @@
           <a:p>
             <a:r>
               <a:rPr lang="en-US" dirty="0"/>
-              <a:t>Management Implications</a:t>
-            </a:r>
-          </a:p>
-        </p:txBody>
-      </p:sp>
-      <p:sp>
-        <p:nvSpPr>
-          <p:cNvPr id="3" name="Subtitle 2">
+              <a:t>2022</a:t>
+            </a:r>
+          </a:p>
+        </p:txBody>
+      </p:sp>
+      <p:sp>
+        <p:nvSpPr>
+          <p:cNvPr id="4" name="Footer Placeholder 3">
             <a:extLst>
               <a:ext uri="{FF2B5EF4-FFF2-40B4-BE49-F238E27FC236}">
-                <a16:creationId xmlns:a16="http://schemas.microsoft.com/office/drawing/2014/main" id="{DA8AFAA9-633A-475C-B8ED-840A34F7294D}"/>
+                <a16:creationId xmlns:a16="http://schemas.microsoft.com/office/drawing/2014/main" id="{36C19884-873C-4D13-BE6D-318CF07B0D12}"/>
               </a:ext>
             </a:extLst>
           </p:cNvPr>
@@ -11295,7 +11634,7 @@
             <a:spLocks noGrp="1"/>
           </p:cNvSpPr>
           <p:nvPr>
-            <p:ph type="subTitle" idx="1"/>
+            <p:ph type="ftr" sz="quarter" idx="11"/>
           </p:nvPr>
         </p:nvSpPr>
         <p:spPr/>
@@ -11305,15 +11644,1450 @@
           <a:p>
             <a:r>
               <a:rPr lang="en-US" dirty="0"/>
-              <a:t>Annual revenue growth</a:t>
-            </a:r>
+              <a:t>Pollinator abundance and diversity on WCU campus</a:t>
+            </a:r>
+          </a:p>
+        </p:txBody>
+      </p:sp>
+      <p:sp>
+        <p:nvSpPr>
+          <p:cNvPr id="6" name="Slide Number Placeholder 5">
+            <a:extLst>
+              <a:ext uri="{FF2B5EF4-FFF2-40B4-BE49-F238E27FC236}">
+                <a16:creationId xmlns:a16="http://schemas.microsoft.com/office/drawing/2014/main" id="{7C991F00-87A7-45A6-8029-B097FA72498D}"/>
+              </a:ext>
+            </a:extLst>
+          </p:cNvPr>
+          <p:cNvSpPr>
+            <a:spLocks noGrp="1"/>
+          </p:cNvSpPr>
+          <p:nvPr>
+            <p:ph type="sldNum" sz="quarter" idx="12"/>
+          </p:nvPr>
+        </p:nvSpPr>
+        <p:spPr/>
+        <p:txBody>
+          <a:bodyPr/>
+          <a:lstStyle/>
+          <a:p>
+            <a:fld id="{A49DFD55-3C28-40EF-9E31-A92D2E4017FF}" type="slidenum">
+              <a:rPr lang="en-US" smtClean="0"/>
+              <a:pPr/>
+              <a:t>4</a:t>
+            </a:fld>
+            <a:endParaRPr lang="en-US" dirty="0"/>
+          </a:p>
+        </p:txBody>
+      </p:sp>
+      <p:sp>
+        <p:nvSpPr>
+          <p:cNvPr id="9" name="Content Placeholder 8">
+            <a:extLst>
+              <a:ext uri="{FF2B5EF4-FFF2-40B4-BE49-F238E27FC236}">
+                <a16:creationId xmlns:a16="http://schemas.microsoft.com/office/drawing/2014/main" id="{8D11ACB6-DB14-435E-6142-EF1A84B24F36}"/>
+              </a:ext>
+            </a:extLst>
+          </p:cNvPr>
+          <p:cNvSpPr>
+            <a:spLocks noGrp="1"/>
+          </p:cNvSpPr>
+          <p:nvPr>
+            <p:ph idx="1"/>
+          </p:nvPr>
+        </p:nvSpPr>
+        <p:spPr/>
+        <p:txBody>
+          <a:bodyPr/>
+          <a:lstStyle/>
+          <a:p>
+            <a:r>
+              <a:rPr lang="en-US" dirty="0"/>
+              <a:t>Pollinator diversity is very low</a:t>
+            </a:r>
+          </a:p>
+          <a:p>
+            <a:pPr lvl="1"/>
+            <a:r>
+              <a:rPr lang="en-US" dirty="0"/>
+              <a:t>Recent disturbance nearby is likely to decrease diversity further</a:t>
+            </a:r>
+          </a:p>
+          <a:p>
+            <a:r>
+              <a:rPr lang="en-US" dirty="0"/>
+              <a:t>Plant native pollinator garden</a:t>
+            </a:r>
+          </a:p>
+          <a:p>
+            <a:pPr lvl="1"/>
+            <a:r>
+              <a:rPr lang="en-US" dirty="0"/>
+              <a:t>Study plant-pollinator associations</a:t>
+            </a:r>
+          </a:p>
+          <a:p>
+            <a:pPr lvl="1"/>
+            <a:r>
+              <a:rPr lang="en-US" dirty="0"/>
+              <a:t>3-year interval mowing management</a:t>
+            </a:r>
+          </a:p>
+        </p:txBody>
+      </p:sp>
+      <p:sp>
+        <p:nvSpPr>
+          <p:cNvPr id="11" name="Title 10">
+            <a:extLst>
+              <a:ext uri="{FF2B5EF4-FFF2-40B4-BE49-F238E27FC236}">
+                <a16:creationId xmlns:a16="http://schemas.microsoft.com/office/drawing/2014/main" id="{7B1F8A91-6B6B-292E-063E-309D175B9F99}"/>
+              </a:ext>
+            </a:extLst>
+          </p:cNvPr>
+          <p:cNvSpPr>
+            <a:spLocks noGrp="1"/>
+          </p:cNvSpPr>
+          <p:nvPr>
+            <p:ph type="title"/>
+          </p:nvPr>
+        </p:nvSpPr>
+        <p:spPr/>
+        <p:txBody>
+          <a:bodyPr/>
+          <a:lstStyle/>
+          <a:p>
+            <a:r>
+              <a:rPr lang="en-US" dirty="0"/>
+              <a:t>Management Implications</a:t>
+            </a:r>
+            <a:br>
+              <a:rPr lang="en-US" dirty="0"/>
+            </a:br>
+            <a:r>
+              <a:rPr lang="en-US" sz="3200" dirty="0"/>
+              <a:t>&amp; Future Research</a:t>
+            </a:r>
+            <a:endParaRPr lang="en-US" dirty="0"/>
           </a:p>
         </p:txBody>
       </p:sp>
     </p:spTree>
     <p:extLst>
       <p:ext uri="{BB962C8B-B14F-4D97-AF65-F5344CB8AC3E}">
-        <p14:creationId xmlns:p14="http://schemas.microsoft.com/office/powerpoint/2010/main" val="379728094"/>
+        <p14:creationId xmlns:p14="http://schemas.microsoft.com/office/powerpoint/2010/main" val="2146046412"/>
+      </p:ext>
+    </p:extLst>
+  </p:cSld>
+  <p:clrMapOvr>
+    <a:masterClrMapping/>
+  </p:clrMapOvr>
+</p:sld>
+</file>
+
+<file path=ppt/slides/slide5.xml><?xml version="1.0" encoding="utf-8"?>
+<p:sld xmlns:a="http://schemas.openxmlformats.org/drawingml/2006/main" xmlns:r="http://schemas.openxmlformats.org/officeDocument/2006/relationships" xmlns:p="http://schemas.openxmlformats.org/presentationml/2006/main">
+  <p:cSld>
+    <p:spTree>
+      <p:nvGrpSpPr>
+        <p:cNvPr id="1" name=""/>
+        <p:cNvGrpSpPr/>
+        <p:nvPr/>
+      </p:nvGrpSpPr>
+      <p:grpSpPr>
+        <a:xfrm>
+          <a:off x="0" y="0"/>
+          <a:ext cx="0" cy="0"/>
+          <a:chOff x="0" y="0"/>
+          <a:chExt cx="0" cy="0"/>
+        </a:xfrm>
+      </p:grpSpPr>
+      <p:sp>
+        <p:nvSpPr>
+          <p:cNvPr id="5" name="Date Placeholder 4">
+            <a:extLst>
+              <a:ext uri="{FF2B5EF4-FFF2-40B4-BE49-F238E27FC236}">
+                <a16:creationId xmlns:a16="http://schemas.microsoft.com/office/drawing/2014/main" id="{9AB5BAF8-EA80-4AD4-8D83-5960C299573A}"/>
+              </a:ext>
+            </a:extLst>
+          </p:cNvPr>
+          <p:cNvSpPr>
+            <a:spLocks noGrp="1"/>
+          </p:cNvSpPr>
+          <p:nvPr>
+            <p:ph type="dt" sz="half" idx="10"/>
+          </p:nvPr>
+        </p:nvSpPr>
+        <p:spPr/>
+        <p:txBody>
+          <a:bodyPr/>
+          <a:lstStyle/>
+          <a:p>
+            <a:r>
+              <a:rPr lang="en-US" dirty="0"/>
+              <a:t>2022</a:t>
+            </a:r>
+          </a:p>
+        </p:txBody>
+      </p:sp>
+      <p:sp>
+        <p:nvSpPr>
+          <p:cNvPr id="4" name="Footer Placeholder 3">
+            <a:extLst>
+              <a:ext uri="{FF2B5EF4-FFF2-40B4-BE49-F238E27FC236}">
+                <a16:creationId xmlns:a16="http://schemas.microsoft.com/office/drawing/2014/main" id="{36C19884-873C-4D13-BE6D-318CF07B0D12}"/>
+              </a:ext>
+            </a:extLst>
+          </p:cNvPr>
+          <p:cNvSpPr>
+            <a:spLocks noGrp="1"/>
+          </p:cNvSpPr>
+          <p:nvPr>
+            <p:ph type="ftr" sz="quarter" idx="11"/>
+          </p:nvPr>
+        </p:nvSpPr>
+        <p:spPr/>
+        <p:txBody>
+          <a:bodyPr/>
+          <a:lstStyle/>
+          <a:p>
+            <a:r>
+              <a:rPr lang="en-US" dirty="0"/>
+              <a:t>Pollinator abundance and diversity on WCU campus</a:t>
+            </a:r>
+          </a:p>
+        </p:txBody>
+      </p:sp>
+      <p:sp>
+        <p:nvSpPr>
+          <p:cNvPr id="6" name="Slide Number Placeholder 5">
+            <a:extLst>
+              <a:ext uri="{FF2B5EF4-FFF2-40B4-BE49-F238E27FC236}">
+                <a16:creationId xmlns:a16="http://schemas.microsoft.com/office/drawing/2014/main" id="{7C991F00-87A7-45A6-8029-B097FA72498D}"/>
+              </a:ext>
+            </a:extLst>
+          </p:cNvPr>
+          <p:cNvSpPr>
+            <a:spLocks noGrp="1"/>
+          </p:cNvSpPr>
+          <p:nvPr>
+            <p:ph type="sldNum" sz="quarter" idx="12"/>
+          </p:nvPr>
+        </p:nvSpPr>
+        <p:spPr/>
+        <p:txBody>
+          <a:bodyPr/>
+          <a:lstStyle/>
+          <a:p>
+            <a:fld id="{A49DFD55-3C28-40EF-9E31-A92D2E4017FF}" type="slidenum">
+              <a:rPr lang="en-US" smtClean="0"/>
+              <a:pPr/>
+              <a:t>5</a:t>
+            </a:fld>
+            <a:endParaRPr lang="en-US" dirty="0"/>
+          </a:p>
+        </p:txBody>
+      </p:sp>
+      <p:sp>
+        <p:nvSpPr>
+          <p:cNvPr id="9" name="Content Placeholder 8">
+            <a:extLst>
+              <a:ext uri="{FF2B5EF4-FFF2-40B4-BE49-F238E27FC236}">
+                <a16:creationId xmlns:a16="http://schemas.microsoft.com/office/drawing/2014/main" id="{8D11ACB6-DB14-435E-6142-EF1A84B24F36}"/>
+              </a:ext>
+            </a:extLst>
+          </p:cNvPr>
+          <p:cNvSpPr>
+            <a:spLocks noGrp="1"/>
+          </p:cNvSpPr>
+          <p:nvPr>
+            <p:ph idx="1"/>
+          </p:nvPr>
+        </p:nvSpPr>
+        <p:spPr/>
+        <p:txBody>
+          <a:bodyPr>
+            <a:noAutofit/>
+          </a:bodyPr>
+          <a:lstStyle/>
+          <a:p>
+            <a:pPr marL="0">
+              <a:spcBef>
+                <a:spcPts val="0"/>
+              </a:spcBef>
+              <a:spcAft>
+                <a:spcPts val="1000"/>
+              </a:spcAft>
+            </a:pPr>
+            <a:r>
+              <a:rPr lang="en-US" sz="1400" dirty="0" err="1">
+                <a:effectLst/>
+              </a:rPr>
+              <a:t>Kopec</a:t>
+            </a:r>
+            <a:r>
+              <a:rPr lang="en-US" sz="1400" dirty="0">
+                <a:effectLst/>
+              </a:rPr>
+              <a:t>, Kelsey, and Lori Ann </a:t>
+            </a:r>
+            <a:r>
+              <a:rPr lang="en-US" sz="1400" dirty="0" err="1">
+                <a:effectLst/>
+              </a:rPr>
+              <a:t>Burd</a:t>
+            </a:r>
+            <a:r>
+              <a:rPr lang="en-US" sz="1400" dirty="0">
+                <a:effectLst/>
+              </a:rPr>
+              <a:t>. 2017. “Pollinators in Peril: A Systematic Status Review of North American and Hawaiian Native Bees,” Endangered Species, , February, 15.</a:t>
+            </a:r>
+            <a:endParaRPr lang="en-US" sz="1400" dirty="0">
+              <a:solidFill>
+                <a:schemeClr val="tx1"/>
+              </a:solidFill>
+              <a:effectLst/>
+              <a:latin typeface="Cambria" panose="02040503050406030204" pitchFamily="18" charset="0"/>
+              <a:ea typeface="Cambria" panose="02040503050406030204" pitchFamily="18" charset="0"/>
+              <a:cs typeface="Times New Roman" panose="02020603050405020304" pitchFamily="18" charset="0"/>
+            </a:endParaRPr>
+          </a:p>
+          <a:p>
+            <a:pPr marL="0" marR="0">
+              <a:spcBef>
+                <a:spcPts val="0"/>
+              </a:spcBef>
+              <a:spcAft>
+                <a:spcPts val="1000"/>
+              </a:spcAft>
+            </a:pPr>
+            <a:r>
+              <a:rPr lang="en-US" sz="1400" dirty="0" err="1">
+                <a:solidFill>
+                  <a:schemeClr val="tx1"/>
+                </a:solidFill>
+                <a:effectLst/>
+                <a:ea typeface="Cambria" panose="02040503050406030204" pitchFamily="18" charset="0"/>
+                <a:cs typeface="Times New Roman" panose="02020603050405020304" pitchFamily="18" charset="0"/>
+              </a:rPr>
+              <a:t>Mačić</a:t>
+            </a:r>
+            <a:r>
+              <a:rPr lang="en-US" sz="1400" dirty="0">
+                <a:solidFill>
+                  <a:schemeClr val="tx1"/>
+                </a:solidFill>
+                <a:effectLst/>
+                <a:ea typeface="Cambria" panose="02040503050406030204" pitchFamily="18" charset="0"/>
+                <a:cs typeface="Times New Roman" panose="02020603050405020304" pitchFamily="18" charset="0"/>
+              </a:rPr>
+              <a:t>, V., P. G. Albano, V. </a:t>
+            </a:r>
+            <a:r>
+              <a:rPr lang="en-US" sz="1400" dirty="0" err="1">
+                <a:solidFill>
+                  <a:schemeClr val="tx1"/>
+                </a:solidFill>
+                <a:effectLst/>
+                <a:ea typeface="Cambria" panose="02040503050406030204" pitchFamily="18" charset="0"/>
+                <a:cs typeface="Times New Roman" panose="02020603050405020304" pitchFamily="18" charset="0"/>
+              </a:rPr>
+              <a:t>Almpanidou</a:t>
+            </a:r>
+            <a:r>
+              <a:rPr lang="en-US" sz="1400" dirty="0">
+                <a:solidFill>
+                  <a:schemeClr val="tx1"/>
+                </a:solidFill>
+                <a:effectLst/>
+                <a:ea typeface="Cambria" panose="02040503050406030204" pitchFamily="18" charset="0"/>
+                <a:cs typeface="Times New Roman" panose="02020603050405020304" pitchFamily="18" charset="0"/>
+              </a:rPr>
+              <a:t>, J. </a:t>
+            </a:r>
+            <a:r>
+              <a:rPr lang="en-US" sz="1400" dirty="0" err="1">
+                <a:solidFill>
+                  <a:schemeClr val="tx1"/>
+                </a:solidFill>
+                <a:effectLst/>
+                <a:ea typeface="Cambria" panose="02040503050406030204" pitchFamily="18" charset="0"/>
+                <a:cs typeface="Times New Roman" panose="02020603050405020304" pitchFamily="18" charset="0"/>
+              </a:rPr>
+              <a:t>Claudet</a:t>
+            </a:r>
+            <a:r>
+              <a:rPr lang="en-US" sz="1400" dirty="0">
+                <a:solidFill>
+                  <a:schemeClr val="tx1"/>
+                </a:solidFill>
+                <a:effectLst/>
+                <a:ea typeface="Cambria" panose="02040503050406030204" pitchFamily="18" charset="0"/>
+                <a:cs typeface="Times New Roman" panose="02020603050405020304" pitchFamily="18" charset="0"/>
+              </a:rPr>
+              <a:t>, X. Corrales, F. </a:t>
+            </a:r>
+            <a:r>
+              <a:rPr lang="en-US" sz="1400" dirty="0" err="1">
+                <a:solidFill>
+                  <a:schemeClr val="tx1"/>
+                </a:solidFill>
+                <a:effectLst/>
+                <a:ea typeface="Cambria" panose="02040503050406030204" pitchFamily="18" charset="0"/>
+                <a:cs typeface="Times New Roman" panose="02020603050405020304" pitchFamily="18" charset="0"/>
+              </a:rPr>
+              <a:t>Essl</a:t>
+            </a:r>
+            <a:r>
+              <a:rPr lang="en-US" sz="1400" dirty="0">
+                <a:solidFill>
+                  <a:schemeClr val="tx1"/>
+                </a:solidFill>
+                <a:effectLst/>
+                <a:ea typeface="Cambria" panose="02040503050406030204" pitchFamily="18" charset="0"/>
+                <a:cs typeface="Times New Roman" panose="02020603050405020304" pitchFamily="18" charset="0"/>
+              </a:rPr>
+              <a:t>, A. </a:t>
+            </a:r>
+            <a:r>
+              <a:rPr lang="en-US" sz="1400" dirty="0" err="1">
+                <a:solidFill>
+                  <a:schemeClr val="tx1"/>
+                </a:solidFill>
+                <a:effectLst/>
+                <a:ea typeface="Cambria" panose="02040503050406030204" pitchFamily="18" charset="0"/>
+                <a:cs typeface="Times New Roman" panose="02020603050405020304" pitchFamily="18" charset="0"/>
+              </a:rPr>
+              <a:t>Evagelopoulos</a:t>
+            </a:r>
+            <a:r>
+              <a:rPr lang="en-US" sz="1400" dirty="0">
+                <a:solidFill>
+                  <a:schemeClr val="tx1"/>
+                </a:solidFill>
+                <a:effectLst/>
+                <a:ea typeface="Cambria" panose="02040503050406030204" pitchFamily="18" charset="0"/>
+                <a:cs typeface="Times New Roman" panose="02020603050405020304" pitchFamily="18" charset="0"/>
+              </a:rPr>
+              <a:t>, I. </a:t>
+            </a:r>
+            <a:r>
+              <a:rPr lang="en-US" sz="1400" dirty="0" err="1">
+                <a:solidFill>
+                  <a:schemeClr val="tx1"/>
+                </a:solidFill>
+                <a:effectLst/>
+                <a:ea typeface="Cambria" panose="02040503050406030204" pitchFamily="18" charset="0"/>
+                <a:cs typeface="Times New Roman" panose="02020603050405020304" pitchFamily="18" charset="0"/>
+              </a:rPr>
+              <a:t>Giovos</a:t>
+            </a:r>
+            <a:r>
+              <a:rPr lang="en-US" sz="1400" dirty="0">
+                <a:solidFill>
+                  <a:schemeClr val="tx1"/>
+                </a:solidFill>
+                <a:effectLst/>
+                <a:ea typeface="Cambria" panose="02040503050406030204" pitchFamily="18" charset="0"/>
+                <a:cs typeface="Times New Roman" panose="02020603050405020304" pitchFamily="18" charset="0"/>
+              </a:rPr>
+              <a:t>, C. Jimenez, S. </a:t>
+            </a:r>
+            <a:r>
+              <a:rPr lang="en-US" sz="1400" dirty="0" err="1">
+                <a:solidFill>
+                  <a:schemeClr val="tx1"/>
+                </a:solidFill>
+                <a:effectLst/>
+                <a:ea typeface="Cambria" panose="02040503050406030204" pitchFamily="18" charset="0"/>
+                <a:cs typeface="Times New Roman" panose="02020603050405020304" pitchFamily="18" charset="0"/>
+              </a:rPr>
+              <a:t>Kark</a:t>
+            </a:r>
+            <a:r>
+              <a:rPr lang="en-US" sz="1400" dirty="0">
+                <a:solidFill>
+                  <a:schemeClr val="tx1"/>
+                </a:solidFill>
+                <a:effectLst/>
+                <a:ea typeface="Cambria" panose="02040503050406030204" pitchFamily="18" charset="0"/>
+                <a:cs typeface="Times New Roman" panose="02020603050405020304" pitchFamily="18" charset="0"/>
+              </a:rPr>
+              <a:t>, O. </a:t>
+            </a:r>
+            <a:r>
+              <a:rPr lang="en-US" sz="1400" dirty="0" err="1">
+                <a:solidFill>
+                  <a:schemeClr val="tx1"/>
+                </a:solidFill>
+                <a:effectLst/>
+                <a:ea typeface="Cambria" panose="02040503050406030204" pitchFamily="18" charset="0"/>
+                <a:cs typeface="Times New Roman" panose="02020603050405020304" pitchFamily="18" charset="0"/>
+              </a:rPr>
+              <a:t>Marković</a:t>
+            </a:r>
+            <a:r>
+              <a:rPr lang="en-US" sz="1400" dirty="0">
+                <a:solidFill>
+                  <a:schemeClr val="tx1"/>
+                </a:solidFill>
+                <a:effectLst/>
+                <a:ea typeface="Cambria" panose="02040503050406030204" pitchFamily="18" charset="0"/>
+                <a:cs typeface="Times New Roman" panose="02020603050405020304" pitchFamily="18" charset="0"/>
+              </a:rPr>
+              <a:t>, A. D. </a:t>
+            </a:r>
+            <a:r>
+              <a:rPr lang="en-US" sz="1400" dirty="0" err="1">
+                <a:solidFill>
+                  <a:schemeClr val="tx1"/>
+                </a:solidFill>
+                <a:effectLst/>
+                <a:ea typeface="Cambria" panose="02040503050406030204" pitchFamily="18" charset="0"/>
+                <a:cs typeface="Times New Roman" panose="02020603050405020304" pitchFamily="18" charset="0"/>
+              </a:rPr>
+              <a:t>Mazaris</a:t>
+            </a:r>
+            <a:r>
+              <a:rPr lang="en-US" sz="1400" dirty="0">
+                <a:solidFill>
+                  <a:schemeClr val="tx1"/>
+                </a:solidFill>
+                <a:effectLst/>
+                <a:ea typeface="Cambria" panose="02040503050406030204" pitchFamily="18" charset="0"/>
+                <a:cs typeface="Times New Roman" panose="02020603050405020304" pitchFamily="18" charset="0"/>
+              </a:rPr>
+              <a:t>, G. Á. </a:t>
+            </a:r>
+            <a:r>
+              <a:rPr lang="en-US" sz="1400" dirty="0" err="1">
+                <a:solidFill>
+                  <a:schemeClr val="tx1"/>
+                </a:solidFill>
+                <a:effectLst/>
+                <a:ea typeface="Cambria" panose="02040503050406030204" pitchFamily="18" charset="0"/>
+                <a:cs typeface="Times New Roman" panose="02020603050405020304" pitchFamily="18" charset="0"/>
+              </a:rPr>
+              <a:t>Ólafsdóttir</a:t>
+            </a:r>
+            <a:r>
+              <a:rPr lang="en-US" sz="1400" dirty="0">
+                <a:solidFill>
+                  <a:schemeClr val="tx1"/>
+                </a:solidFill>
+                <a:effectLst/>
+                <a:ea typeface="Cambria" panose="02040503050406030204" pitchFamily="18" charset="0"/>
+                <a:cs typeface="Times New Roman" panose="02020603050405020304" pitchFamily="18" charset="0"/>
+              </a:rPr>
+              <a:t>, M. </a:t>
+            </a:r>
+            <a:r>
+              <a:rPr lang="en-US" sz="1400" dirty="0" err="1">
+                <a:solidFill>
+                  <a:schemeClr val="tx1"/>
+                </a:solidFill>
+                <a:effectLst/>
+                <a:ea typeface="Cambria" panose="02040503050406030204" pitchFamily="18" charset="0"/>
+                <a:cs typeface="Times New Roman" panose="02020603050405020304" pitchFamily="18" charset="0"/>
+              </a:rPr>
+              <a:t>Panayotova</a:t>
+            </a:r>
+            <a:r>
+              <a:rPr lang="en-US" sz="1400" dirty="0">
+                <a:solidFill>
+                  <a:schemeClr val="tx1"/>
+                </a:solidFill>
+                <a:effectLst/>
+                <a:ea typeface="Cambria" panose="02040503050406030204" pitchFamily="18" charset="0"/>
+                <a:cs typeface="Times New Roman" panose="02020603050405020304" pitchFamily="18" charset="0"/>
+              </a:rPr>
+              <a:t>, S. </a:t>
+            </a:r>
+            <a:r>
+              <a:rPr lang="en-US" sz="1400" dirty="0" err="1">
+                <a:solidFill>
+                  <a:schemeClr val="tx1"/>
+                </a:solidFill>
+                <a:effectLst/>
+                <a:ea typeface="Cambria" panose="02040503050406030204" pitchFamily="18" charset="0"/>
+                <a:cs typeface="Times New Roman" panose="02020603050405020304" pitchFamily="18" charset="0"/>
+              </a:rPr>
+              <a:t>Petović</a:t>
+            </a:r>
+            <a:r>
+              <a:rPr lang="en-US" sz="1400" dirty="0">
+                <a:solidFill>
+                  <a:schemeClr val="tx1"/>
+                </a:solidFill>
+                <a:effectLst/>
+                <a:ea typeface="Cambria" panose="02040503050406030204" pitchFamily="18" charset="0"/>
+                <a:cs typeface="Times New Roman" panose="02020603050405020304" pitchFamily="18" charset="0"/>
+              </a:rPr>
+              <a:t>, W. </a:t>
+            </a:r>
+            <a:r>
+              <a:rPr lang="en-US" sz="1400" dirty="0" err="1">
+                <a:solidFill>
+                  <a:schemeClr val="tx1"/>
+                </a:solidFill>
+                <a:effectLst/>
+                <a:ea typeface="Cambria" panose="02040503050406030204" pitchFamily="18" charset="0"/>
+                <a:cs typeface="Times New Roman" panose="02020603050405020304" pitchFamily="18" charset="0"/>
+              </a:rPr>
+              <a:t>Rabitsch</a:t>
+            </a:r>
+            <a:r>
+              <a:rPr lang="en-US" sz="1400" dirty="0">
+                <a:solidFill>
+                  <a:schemeClr val="tx1"/>
+                </a:solidFill>
+                <a:effectLst/>
+                <a:ea typeface="Cambria" panose="02040503050406030204" pitchFamily="18" charset="0"/>
+                <a:cs typeface="Times New Roman" panose="02020603050405020304" pitchFamily="18" charset="0"/>
+              </a:rPr>
+              <a:t>, M. </a:t>
+            </a:r>
+            <a:r>
+              <a:rPr lang="en-US" sz="1400" dirty="0" err="1">
+                <a:solidFill>
+                  <a:schemeClr val="tx1"/>
+                </a:solidFill>
+                <a:effectLst/>
+                <a:ea typeface="Cambria" panose="02040503050406030204" pitchFamily="18" charset="0"/>
+                <a:cs typeface="Times New Roman" panose="02020603050405020304" pitchFamily="18" charset="0"/>
+              </a:rPr>
+              <a:t>Ramdani</a:t>
+            </a:r>
+            <a:r>
+              <a:rPr lang="en-US" sz="1400" dirty="0">
+                <a:solidFill>
+                  <a:schemeClr val="tx1"/>
+                </a:solidFill>
+                <a:effectLst/>
+                <a:ea typeface="Cambria" panose="02040503050406030204" pitchFamily="18" charset="0"/>
+                <a:cs typeface="Times New Roman" panose="02020603050405020304" pitchFamily="18" charset="0"/>
+              </a:rPr>
+              <a:t>, G. </a:t>
+            </a:r>
+            <a:r>
+              <a:rPr lang="en-US" sz="1400" dirty="0" err="1">
+                <a:solidFill>
+                  <a:schemeClr val="tx1"/>
+                </a:solidFill>
+                <a:effectLst/>
+                <a:ea typeface="Cambria" panose="02040503050406030204" pitchFamily="18" charset="0"/>
+                <a:cs typeface="Times New Roman" panose="02020603050405020304" pitchFamily="18" charset="0"/>
+              </a:rPr>
+              <a:t>Rilov</a:t>
+            </a:r>
+            <a:r>
+              <a:rPr lang="en-US" sz="1400" dirty="0">
+                <a:solidFill>
+                  <a:schemeClr val="tx1"/>
+                </a:solidFill>
+                <a:effectLst/>
+                <a:ea typeface="Cambria" panose="02040503050406030204" pitchFamily="18" charset="0"/>
+                <a:cs typeface="Times New Roman" panose="02020603050405020304" pitchFamily="18" charset="0"/>
+              </a:rPr>
+              <a:t>, E. </a:t>
+            </a:r>
+            <a:r>
+              <a:rPr lang="en-US" sz="1400" dirty="0" err="1">
+                <a:solidFill>
+                  <a:schemeClr val="tx1"/>
+                </a:solidFill>
+                <a:effectLst/>
+                <a:ea typeface="Cambria" panose="02040503050406030204" pitchFamily="18" charset="0"/>
+                <a:cs typeface="Times New Roman" panose="02020603050405020304" pitchFamily="18" charset="0"/>
+              </a:rPr>
+              <a:t>Tricarico</a:t>
+            </a:r>
+            <a:r>
+              <a:rPr lang="en-US" sz="1400" dirty="0">
+                <a:solidFill>
+                  <a:schemeClr val="tx1"/>
+                </a:solidFill>
+                <a:effectLst/>
+                <a:ea typeface="Cambria" panose="02040503050406030204" pitchFamily="18" charset="0"/>
+                <a:cs typeface="Times New Roman" panose="02020603050405020304" pitchFamily="18" charset="0"/>
+              </a:rPr>
+              <a:t>, T. Vega Fernández, M. Sini, V. </a:t>
+            </a:r>
+            <a:r>
+              <a:rPr lang="en-US" sz="1400" dirty="0" err="1">
+                <a:solidFill>
+                  <a:schemeClr val="tx1"/>
+                </a:solidFill>
+                <a:effectLst/>
+                <a:ea typeface="Cambria" panose="02040503050406030204" pitchFamily="18" charset="0"/>
+                <a:cs typeface="Times New Roman" panose="02020603050405020304" pitchFamily="18" charset="0"/>
+              </a:rPr>
+              <a:t>Trygonis</a:t>
+            </a:r>
+            <a:r>
+              <a:rPr lang="en-US" sz="1400" dirty="0">
+                <a:solidFill>
+                  <a:schemeClr val="tx1"/>
+                </a:solidFill>
+                <a:effectLst/>
+                <a:ea typeface="Cambria" panose="02040503050406030204" pitchFamily="18" charset="0"/>
+                <a:cs typeface="Times New Roman" panose="02020603050405020304" pitchFamily="18" charset="0"/>
+              </a:rPr>
+              <a:t>, and S. </a:t>
+            </a:r>
+            <a:r>
+              <a:rPr lang="en-US" sz="1400" dirty="0" err="1">
+                <a:solidFill>
+                  <a:schemeClr val="tx1"/>
+                </a:solidFill>
+                <a:effectLst/>
+                <a:ea typeface="Cambria" panose="02040503050406030204" pitchFamily="18" charset="0"/>
+                <a:cs typeface="Times New Roman" panose="02020603050405020304" pitchFamily="18" charset="0"/>
+              </a:rPr>
+              <a:t>Katsanevakis</a:t>
+            </a:r>
+            <a:r>
+              <a:rPr lang="en-US" sz="1400" dirty="0">
+                <a:solidFill>
+                  <a:schemeClr val="tx1"/>
+                </a:solidFill>
+                <a:effectLst/>
+                <a:ea typeface="Cambria" panose="02040503050406030204" pitchFamily="18" charset="0"/>
+                <a:cs typeface="Times New Roman" panose="02020603050405020304" pitchFamily="18" charset="0"/>
+              </a:rPr>
+              <a:t>. 2018. </a:t>
+            </a:r>
+            <a:r>
+              <a:rPr lang="en-US" sz="1400" dirty="0">
+                <a:solidFill>
+                  <a:schemeClr val="tx1"/>
+                </a:solidFill>
+                <a:effectLst/>
+                <a:ea typeface="Cambria" panose="02040503050406030204" pitchFamily="18" charset="0"/>
+                <a:cs typeface="Times New Roman" panose="02020603050405020304" pitchFamily="18" charset="0"/>
+                <a:hlinkClick r:id="rId2">
+                  <a:extLst>
+                    <a:ext uri="{A12FA001-AC4F-418D-AE19-62706E023703}">
+                      <ahyp:hlinkClr xmlns:ahyp="http://schemas.microsoft.com/office/drawing/2018/hyperlinkcolor" val="tx"/>
+                    </a:ext>
+                  </a:extLst>
+                </a:hlinkClick>
+              </a:rPr>
+              <a:t>Biological invasions in conservation planning: A global systematic review</a:t>
+            </a:r>
+            <a:r>
+              <a:rPr lang="en-US" sz="1400" dirty="0">
+                <a:solidFill>
+                  <a:schemeClr val="tx1"/>
+                </a:solidFill>
+                <a:effectLst/>
+                <a:ea typeface="Cambria" panose="02040503050406030204" pitchFamily="18" charset="0"/>
+                <a:cs typeface="Times New Roman" panose="02020603050405020304" pitchFamily="18" charset="0"/>
+              </a:rPr>
+              <a:t>. Frontiers in Marine Science 5.</a:t>
+            </a:r>
+          </a:p>
+          <a:p>
+            <a:pPr marL="0" marR="0">
+              <a:spcBef>
+                <a:spcPts val="0"/>
+              </a:spcBef>
+              <a:spcAft>
+                <a:spcPts val="1000"/>
+              </a:spcAft>
+            </a:pPr>
+            <a:r>
+              <a:rPr lang="en-US" sz="1400" dirty="0" err="1">
+                <a:solidFill>
+                  <a:schemeClr val="tx1"/>
+                </a:solidFill>
+                <a:effectLst/>
+                <a:ea typeface="Cambria" panose="02040503050406030204" pitchFamily="18" charset="0"/>
+                <a:cs typeface="Times New Roman" panose="02020603050405020304" pitchFamily="18" charset="0"/>
+              </a:rPr>
+              <a:t>Moroń</a:t>
+            </a:r>
+            <a:r>
+              <a:rPr lang="en-US" sz="1400" dirty="0">
+                <a:solidFill>
+                  <a:schemeClr val="tx1"/>
+                </a:solidFill>
+                <a:effectLst/>
+                <a:ea typeface="Cambria" panose="02040503050406030204" pitchFamily="18" charset="0"/>
+                <a:cs typeface="Times New Roman" panose="02020603050405020304" pitchFamily="18" charset="0"/>
+              </a:rPr>
+              <a:t>, D., M. </a:t>
+            </a:r>
+            <a:r>
+              <a:rPr lang="en-US" sz="1400" dirty="0" err="1">
+                <a:solidFill>
+                  <a:schemeClr val="tx1"/>
+                </a:solidFill>
+                <a:effectLst/>
+                <a:ea typeface="Cambria" panose="02040503050406030204" pitchFamily="18" charset="0"/>
+                <a:cs typeface="Times New Roman" panose="02020603050405020304" pitchFamily="18" charset="0"/>
+              </a:rPr>
+              <a:t>Lenda</a:t>
+            </a:r>
+            <a:r>
+              <a:rPr lang="en-US" sz="1400" dirty="0">
+                <a:solidFill>
+                  <a:schemeClr val="tx1"/>
+                </a:solidFill>
+                <a:effectLst/>
+                <a:ea typeface="Cambria" panose="02040503050406030204" pitchFamily="18" charset="0"/>
+                <a:cs typeface="Times New Roman" panose="02020603050405020304" pitchFamily="18" charset="0"/>
+              </a:rPr>
+              <a:t>, P. </a:t>
+            </a:r>
+            <a:r>
+              <a:rPr lang="en-US" sz="1400" dirty="0" err="1">
+                <a:solidFill>
+                  <a:schemeClr val="tx1"/>
+                </a:solidFill>
+                <a:effectLst/>
+                <a:ea typeface="Cambria" panose="02040503050406030204" pitchFamily="18" charset="0"/>
+                <a:cs typeface="Times New Roman" panose="02020603050405020304" pitchFamily="18" charset="0"/>
+              </a:rPr>
+              <a:t>Skórka</a:t>
+            </a:r>
+            <a:r>
+              <a:rPr lang="en-US" sz="1400" dirty="0">
+                <a:solidFill>
+                  <a:schemeClr val="tx1"/>
+                </a:solidFill>
+                <a:effectLst/>
+                <a:ea typeface="Cambria" panose="02040503050406030204" pitchFamily="18" charset="0"/>
+                <a:cs typeface="Times New Roman" panose="02020603050405020304" pitchFamily="18" charset="0"/>
+              </a:rPr>
+              <a:t>, H. </a:t>
+            </a:r>
+            <a:r>
+              <a:rPr lang="en-US" sz="1400" dirty="0" err="1">
+                <a:solidFill>
+                  <a:schemeClr val="tx1"/>
+                </a:solidFill>
+                <a:effectLst/>
+                <a:ea typeface="Cambria" panose="02040503050406030204" pitchFamily="18" charset="0"/>
+                <a:cs typeface="Times New Roman" panose="02020603050405020304" pitchFamily="18" charset="0"/>
+              </a:rPr>
+              <a:t>Szentgyörgyi</a:t>
+            </a:r>
+            <a:r>
+              <a:rPr lang="en-US" sz="1400" dirty="0">
+                <a:solidFill>
+                  <a:schemeClr val="tx1"/>
+                </a:solidFill>
+                <a:effectLst/>
+                <a:ea typeface="Cambria" panose="02040503050406030204" pitchFamily="18" charset="0"/>
+                <a:cs typeface="Times New Roman" panose="02020603050405020304" pitchFamily="18" charset="0"/>
+              </a:rPr>
+              <a:t>, J. </a:t>
+            </a:r>
+            <a:r>
+              <a:rPr lang="en-US" sz="1400" dirty="0" err="1">
+                <a:solidFill>
+                  <a:schemeClr val="tx1"/>
+                </a:solidFill>
+                <a:effectLst/>
+                <a:ea typeface="Cambria" panose="02040503050406030204" pitchFamily="18" charset="0"/>
+                <a:cs typeface="Times New Roman" panose="02020603050405020304" pitchFamily="18" charset="0"/>
+              </a:rPr>
+              <a:t>Settele</a:t>
+            </a:r>
+            <a:r>
+              <a:rPr lang="en-US" sz="1400" dirty="0">
+                <a:solidFill>
+                  <a:schemeClr val="tx1"/>
+                </a:solidFill>
+                <a:effectLst/>
+                <a:ea typeface="Cambria" panose="02040503050406030204" pitchFamily="18" charset="0"/>
+                <a:cs typeface="Times New Roman" panose="02020603050405020304" pitchFamily="18" charset="0"/>
+              </a:rPr>
+              <a:t>, and M. </a:t>
+            </a:r>
+            <a:r>
+              <a:rPr lang="en-US" sz="1400" dirty="0" err="1">
+                <a:solidFill>
+                  <a:schemeClr val="tx1"/>
+                </a:solidFill>
+                <a:effectLst/>
+                <a:ea typeface="Cambria" panose="02040503050406030204" pitchFamily="18" charset="0"/>
+                <a:cs typeface="Times New Roman" panose="02020603050405020304" pitchFamily="18" charset="0"/>
+              </a:rPr>
+              <a:t>Woyciechowski</a:t>
+            </a:r>
+            <a:r>
+              <a:rPr lang="en-US" sz="1400" dirty="0">
+                <a:solidFill>
+                  <a:schemeClr val="tx1"/>
+                </a:solidFill>
+                <a:effectLst/>
+                <a:ea typeface="Cambria" panose="02040503050406030204" pitchFamily="18" charset="0"/>
+                <a:cs typeface="Times New Roman" panose="02020603050405020304" pitchFamily="18" charset="0"/>
+              </a:rPr>
+              <a:t>. 2009. </a:t>
+            </a:r>
+            <a:r>
+              <a:rPr lang="en-US" sz="1400" dirty="0">
+                <a:solidFill>
+                  <a:schemeClr val="tx1"/>
+                </a:solidFill>
+                <a:effectLst/>
+                <a:ea typeface="Cambria" panose="02040503050406030204" pitchFamily="18" charset="0"/>
+                <a:cs typeface="Times New Roman" panose="02020603050405020304" pitchFamily="18" charset="0"/>
+                <a:hlinkClick r:id="rId3">
+                  <a:extLst>
+                    <a:ext uri="{A12FA001-AC4F-418D-AE19-62706E023703}">
+                      <ahyp:hlinkClr xmlns:ahyp="http://schemas.microsoft.com/office/drawing/2018/hyperlinkcolor" val="tx"/>
+                    </a:ext>
+                  </a:extLst>
+                </a:hlinkClick>
+              </a:rPr>
+              <a:t>Wild pollinator communities are negatively affected by invasion of alien goldenrods in grassland landscapes</a:t>
+            </a:r>
+            <a:r>
+              <a:rPr lang="en-US" sz="1400" dirty="0">
+                <a:solidFill>
+                  <a:schemeClr val="tx1"/>
+                </a:solidFill>
+                <a:effectLst/>
+                <a:ea typeface="Cambria" panose="02040503050406030204" pitchFamily="18" charset="0"/>
+                <a:cs typeface="Times New Roman" panose="02020603050405020304" pitchFamily="18" charset="0"/>
+              </a:rPr>
+              <a:t>. Biological Conservation 142:1322–1332.</a:t>
+            </a:r>
+          </a:p>
+          <a:p>
+            <a:pPr marL="0" marR="0">
+              <a:spcBef>
+                <a:spcPts val="0"/>
+              </a:spcBef>
+              <a:spcAft>
+                <a:spcPts val="1000"/>
+              </a:spcAft>
+            </a:pPr>
+            <a:r>
+              <a:rPr lang="en-US" sz="1400" dirty="0" err="1">
+                <a:solidFill>
+                  <a:schemeClr val="tx1"/>
+                </a:solidFill>
+                <a:effectLst/>
+                <a:ea typeface="Cambria" panose="02040503050406030204" pitchFamily="18" charset="0"/>
+                <a:cs typeface="Times New Roman" panose="02020603050405020304" pitchFamily="18" charset="0"/>
+              </a:rPr>
+              <a:t>Moroń</a:t>
+            </a:r>
+            <a:r>
+              <a:rPr lang="en-US" sz="1400" dirty="0">
+                <a:solidFill>
+                  <a:schemeClr val="tx1"/>
+                </a:solidFill>
+                <a:effectLst/>
+                <a:ea typeface="Cambria" panose="02040503050406030204" pitchFamily="18" charset="0"/>
+                <a:cs typeface="Times New Roman" panose="02020603050405020304" pitchFamily="18" charset="0"/>
+              </a:rPr>
+              <a:t>, D., E. </a:t>
+            </a:r>
+            <a:r>
+              <a:rPr lang="en-US" sz="1400" dirty="0" err="1">
+                <a:solidFill>
+                  <a:schemeClr val="tx1"/>
+                </a:solidFill>
+                <a:effectLst/>
+                <a:ea typeface="Cambria" panose="02040503050406030204" pitchFamily="18" charset="0"/>
+                <a:cs typeface="Times New Roman" panose="02020603050405020304" pitchFamily="18" charset="0"/>
+              </a:rPr>
+              <a:t>Marjańska</a:t>
+            </a:r>
+            <a:r>
+              <a:rPr lang="en-US" sz="1400" dirty="0">
+                <a:solidFill>
+                  <a:schemeClr val="tx1"/>
+                </a:solidFill>
+                <a:effectLst/>
+                <a:ea typeface="Cambria" panose="02040503050406030204" pitchFamily="18" charset="0"/>
+                <a:cs typeface="Times New Roman" panose="02020603050405020304" pitchFamily="18" charset="0"/>
+              </a:rPr>
+              <a:t>, P. </a:t>
+            </a:r>
+            <a:r>
+              <a:rPr lang="en-US" sz="1400" dirty="0" err="1">
+                <a:solidFill>
+                  <a:schemeClr val="tx1"/>
+                </a:solidFill>
+                <a:effectLst/>
+                <a:ea typeface="Cambria" panose="02040503050406030204" pitchFamily="18" charset="0"/>
+                <a:cs typeface="Times New Roman" panose="02020603050405020304" pitchFamily="18" charset="0"/>
+              </a:rPr>
+              <a:t>Skórka</a:t>
+            </a:r>
+            <a:r>
+              <a:rPr lang="en-US" sz="1400" dirty="0">
+                <a:solidFill>
+                  <a:schemeClr val="tx1"/>
+                </a:solidFill>
+                <a:effectLst/>
+                <a:ea typeface="Cambria" panose="02040503050406030204" pitchFamily="18" charset="0"/>
+                <a:cs typeface="Times New Roman" panose="02020603050405020304" pitchFamily="18" charset="0"/>
+              </a:rPr>
+              <a:t>, M. </a:t>
+            </a:r>
+            <a:r>
+              <a:rPr lang="en-US" sz="1400" dirty="0" err="1">
+                <a:solidFill>
+                  <a:schemeClr val="tx1"/>
+                </a:solidFill>
+                <a:effectLst/>
+                <a:ea typeface="Cambria" panose="02040503050406030204" pitchFamily="18" charset="0"/>
+                <a:cs typeface="Times New Roman" panose="02020603050405020304" pitchFamily="18" charset="0"/>
+              </a:rPr>
+              <a:t>Lenda</a:t>
+            </a:r>
+            <a:r>
+              <a:rPr lang="en-US" sz="1400" dirty="0">
+                <a:solidFill>
+                  <a:schemeClr val="tx1"/>
+                </a:solidFill>
+                <a:effectLst/>
+                <a:ea typeface="Cambria" panose="02040503050406030204" pitchFamily="18" charset="0"/>
+                <a:cs typeface="Times New Roman" panose="02020603050405020304" pitchFamily="18" charset="0"/>
+              </a:rPr>
+              <a:t>, and M. </a:t>
+            </a:r>
+            <a:r>
+              <a:rPr lang="en-US" sz="1400" dirty="0" err="1">
+                <a:solidFill>
+                  <a:schemeClr val="tx1"/>
+                </a:solidFill>
+                <a:effectLst/>
+                <a:ea typeface="Cambria" panose="02040503050406030204" pitchFamily="18" charset="0"/>
+                <a:cs typeface="Times New Roman" panose="02020603050405020304" pitchFamily="18" charset="0"/>
+              </a:rPr>
+              <a:t>Woyciechowski</a:t>
+            </a:r>
+            <a:r>
+              <a:rPr lang="en-US" sz="1400" dirty="0">
+                <a:solidFill>
+                  <a:schemeClr val="tx1"/>
+                </a:solidFill>
+                <a:effectLst/>
+                <a:ea typeface="Cambria" panose="02040503050406030204" pitchFamily="18" charset="0"/>
+                <a:cs typeface="Times New Roman" panose="02020603050405020304" pitchFamily="18" charset="0"/>
+              </a:rPr>
+              <a:t>. 2021. </a:t>
+            </a:r>
+            <a:r>
+              <a:rPr lang="en-US" sz="1400" dirty="0">
+                <a:solidFill>
+                  <a:schemeClr val="tx1"/>
+                </a:solidFill>
+                <a:effectLst/>
+                <a:ea typeface="Cambria" panose="02040503050406030204" pitchFamily="18" charset="0"/>
+                <a:cs typeface="Times New Roman" panose="02020603050405020304" pitchFamily="18" charset="0"/>
+                <a:hlinkClick r:id="rId4">
+                  <a:extLst>
+                    <a:ext uri="{A12FA001-AC4F-418D-AE19-62706E023703}">
+                      <ahyp:hlinkClr xmlns:ahyp="http://schemas.microsoft.com/office/drawing/2018/hyperlinkcolor" val="tx"/>
+                    </a:ext>
+                  </a:extLst>
+                </a:hlinkClick>
+              </a:rPr>
+              <a:t>Invader–pollinator paradox: Invasive goldenrods benefit from large size pollinators</a:t>
+            </a:r>
+            <a:r>
+              <a:rPr lang="en-US" sz="1400" dirty="0">
+                <a:solidFill>
+                  <a:schemeClr val="tx1"/>
+                </a:solidFill>
+                <a:effectLst/>
+                <a:ea typeface="Cambria" panose="02040503050406030204" pitchFamily="18" charset="0"/>
+                <a:cs typeface="Times New Roman" panose="02020603050405020304" pitchFamily="18" charset="0"/>
+              </a:rPr>
+              <a:t>. Diversity and Distributions 27:632–641.</a:t>
+            </a:r>
+          </a:p>
+          <a:p>
+            <a:pPr marL="0" marR="0">
+              <a:spcBef>
+                <a:spcPts val="0"/>
+              </a:spcBef>
+              <a:spcAft>
+                <a:spcPts val="1000"/>
+              </a:spcAft>
+            </a:pPr>
+            <a:r>
+              <a:rPr lang="en-US" sz="1400" dirty="0" err="1">
+                <a:solidFill>
+                  <a:schemeClr val="tx1"/>
+                </a:solidFill>
+                <a:effectLst/>
+                <a:ea typeface="Cambria" panose="02040503050406030204" pitchFamily="18" charset="0"/>
+                <a:cs typeface="Times New Roman" panose="02020603050405020304" pitchFamily="18" charset="0"/>
+              </a:rPr>
+              <a:t>Moroń</a:t>
+            </a:r>
+            <a:r>
+              <a:rPr lang="en-US" sz="1400" dirty="0">
+                <a:solidFill>
+                  <a:schemeClr val="tx1"/>
+                </a:solidFill>
+                <a:effectLst/>
+                <a:ea typeface="Cambria" panose="02040503050406030204" pitchFamily="18" charset="0"/>
+                <a:cs typeface="Times New Roman" panose="02020603050405020304" pitchFamily="18" charset="0"/>
+              </a:rPr>
+              <a:t>, D., P. </a:t>
+            </a:r>
+            <a:r>
+              <a:rPr lang="en-US" sz="1400" dirty="0" err="1">
+                <a:solidFill>
+                  <a:schemeClr val="tx1"/>
+                </a:solidFill>
+                <a:effectLst/>
+                <a:ea typeface="Cambria" panose="02040503050406030204" pitchFamily="18" charset="0"/>
+                <a:cs typeface="Times New Roman" panose="02020603050405020304" pitchFamily="18" charset="0"/>
+              </a:rPr>
+              <a:t>Skórka</a:t>
+            </a:r>
+            <a:r>
+              <a:rPr lang="en-US" sz="1400" dirty="0">
+                <a:solidFill>
+                  <a:schemeClr val="tx1"/>
+                </a:solidFill>
+                <a:effectLst/>
+                <a:ea typeface="Cambria" panose="02040503050406030204" pitchFamily="18" charset="0"/>
+                <a:cs typeface="Times New Roman" panose="02020603050405020304" pitchFamily="18" charset="0"/>
+              </a:rPr>
+              <a:t>, M. </a:t>
+            </a:r>
+            <a:r>
+              <a:rPr lang="en-US" sz="1400" dirty="0" err="1">
+                <a:solidFill>
+                  <a:schemeClr val="tx1"/>
+                </a:solidFill>
+                <a:effectLst/>
+                <a:ea typeface="Cambria" panose="02040503050406030204" pitchFamily="18" charset="0"/>
+                <a:cs typeface="Times New Roman" panose="02020603050405020304" pitchFamily="18" charset="0"/>
+              </a:rPr>
+              <a:t>Lenda</a:t>
+            </a:r>
+            <a:r>
+              <a:rPr lang="en-US" sz="1400" dirty="0">
+                <a:solidFill>
+                  <a:schemeClr val="tx1"/>
+                </a:solidFill>
+                <a:effectLst/>
+                <a:ea typeface="Cambria" panose="02040503050406030204" pitchFamily="18" charset="0"/>
+                <a:cs typeface="Times New Roman" panose="02020603050405020304" pitchFamily="18" charset="0"/>
+              </a:rPr>
+              <a:t>, J. </a:t>
+            </a:r>
+            <a:r>
+              <a:rPr lang="en-US" sz="1400" dirty="0" err="1">
+                <a:solidFill>
+                  <a:schemeClr val="tx1"/>
+                </a:solidFill>
+                <a:effectLst/>
+                <a:ea typeface="Cambria" panose="02040503050406030204" pitchFamily="18" charset="0"/>
+                <a:cs typeface="Times New Roman" panose="02020603050405020304" pitchFamily="18" charset="0"/>
+              </a:rPr>
+              <a:t>Kajzer</a:t>
+            </a:r>
+            <a:r>
+              <a:rPr lang="en-US" sz="1400" dirty="0">
+                <a:solidFill>
+                  <a:schemeClr val="tx1"/>
+                </a:solidFill>
+                <a:effectLst/>
+                <a:ea typeface="Cambria" panose="02040503050406030204" pitchFamily="18" charset="0"/>
+                <a:cs typeface="Times New Roman" panose="02020603050405020304" pitchFamily="18" charset="0"/>
+              </a:rPr>
+              <a:t>-Bonk, Ł. </a:t>
+            </a:r>
+            <a:r>
+              <a:rPr lang="en-US" sz="1400" dirty="0" err="1">
+                <a:solidFill>
+                  <a:schemeClr val="tx1"/>
+                </a:solidFill>
+                <a:effectLst/>
+                <a:ea typeface="Cambria" panose="02040503050406030204" pitchFamily="18" charset="0"/>
+                <a:cs typeface="Times New Roman" panose="02020603050405020304" pitchFamily="18" charset="0"/>
+              </a:rPr>
+              <a:t>Mielczarek</a:t>
+            </a:r>
+            <a:r>
+              <a:rPr lang="en-US" sz="1400" dirty="0">
+                <a:solidFill>
+                  <a:schemeClr val="tx1"/>
+                </a:solidFill>
+                <a:effectLst/>
+                <a:ea typeface="Cambria" panose="02040503050406030204" pitchFamily="18" charset="0"/>
+                <a:cs typeface="Times New Roman" panose="02020603050405020304" pitchFamily="18" charset="0"/>
+              </a:rPr>
+              <a:t>, E. </a:t>
+            </a:r>
+            <a:r>
+              <a:rPr lang="en-US" sz="1400" dirty="0" err="1">
+                <a:solidFill>
+                  <a:schemeClr val="tx1"/>
+                </a:solidFill>
+                <a:effectLst/>
+                <a:ea typeface="Cambria" panose="02040503050406030204" pitchFamily="18" charset="0"/>
+                <a:cs typeface="Times New Roman" panose="02020603050405020304" pitchFamily="18" charset="0"/>
+              </a:rPr>
+              <a:t>Rożej-Pabijan</a:t>
+            </a:r>
+            <a:r>
+              <a:rPr lang="en-US" sz="1400" dirty="0">
+                <a:solidFill>
+                  <a:schemeClr val="tx1"/>
+                </a:solidFill>
+                <a:effectLst/>
+                <a:ea typeface="Cambria" panose="02040503050406030204" pitchFamily="18" charset="0"/>
+                <a:cs typeface="Times New Roman" panose="02020603050405020304" pitchFamily="18" charset="0"/>
+              </a:rPr>
+              <a:t>, and M. </a:t>
+            </a:r>
+            <a:r>
+              <a:rPr lang="en-US" sz="1400" dirty="0" err="1">
+                <a:solidFill>
+                  <a:schemeClr val="tx1"/>
+                </a:solidFill>
+                <a:effectLst/>
+                <a:ea typeface="Cambria" panose="02040503050406030204" pitchFamily="18" charset="0"/>
+                <a:cs typeface="Times New Roman" panose="02020603050405020304" pitchFamily="18" charset="0"/>
+              </a:rPr>
+              <a:t>Wantuch</a:t>
+            </a:r>
+            <a:r>
+              <a:rPr lang="en-US" sz="1400" dirty="0">
+                <a:solidFill>
+                  <a:schemeClr val="tx1"/>
+                </a:solidFill>
+                <a:effectLst/>
+                <a:ea typeface="Cambria" panose="02040503050406030204" pitchFamily="18" charset="0"/>
+                <a:cs typeface="Times New Roman" panose="02020603050405020304" pitchFamily="18" charset="0"/>
+              </a:rPr>
+              <a:t>. 2019. </a:t>
+            </a:r>
+            <a:r>
+              <a:rPr lang="en-US" sz="1400" dirty="0">
+                <a:solidFill>
+                  <a:schemeClr val="tx1"/>
+                </a:solidFill>
+                <a:effectLst/>
+                <a:ea typeface="Cambria" panose="02040503050406030204" pitchFamily="18" charset="0"/>
+                <a:cs typeface="Times New Roman" panose="02020603050405020304" pitchFamily="18" charset="0"/>
+                <a:hlinkClick r:id="rId5">
+                  <a:extLst>
+                    <a:ext uri="{A12FA001-AC4F-418D-AE19-62706E023703}">
+                      <ahyp:hlinkClr xmlns:ahyp="http://schemas.microsoft.com/office/drawing/2018/hyperlinkcolor" val="tx"/>
+                    </a:ext>
+                  </a:extLst>
+                </a:hlinkClick>
+              </a:rPr>
+              <a:t>Linear and non-linear effects of goldenrod invasions on native pollinator and plant populations</a:t>
+            </a:r>
+            <a:r>
+              <a:rPr lang="en-US" sz="1400" dirty="0">
+                <a:solidFill>
+                  <a:schemeClr val="tx1"/>
+                </a:solidFill>
+                <a:effectLst/>
+                <a:ea typeface="Cambria" panose="02040503050406030204" pitchFamily="18" charset="0"/>
+                <a:cs typeface="Times New Roman" panose="02020603050405020304" pitchFamily="18" charset="0"/>
+              </a:rPr>
+              <a:t>. Biological Invasions 21:947–960.</a:t>
+            </a:r>
+          </a:p>
+          <a:p>
+            <a:pPr marL="0" marR="0">
+              <a:spcBef>
+                <a:spcPts val="0"/>
+              </a:spcBef>
+              <a:spcAft>
+                <a:spcPts val="1000"/>
+              </a:spcAft>
+            </a:pPr>
+            <a:r>
+              <a:rPr lang="en-US" sz="1400" dirty="0">
+                <a:solidFill>
+                  <a:schemeClr val="tx1"/>
+                </a:solidFill>
+                <a:effectLst/>
+                <a:ea typeface="Cambria" panose="02040503050406030204" pitchFamily="18" charset="0"/>
+                <a:cs typeface="Times New Roman" panose="02020603050405020304" pitchFamily="18" charset="0"/>
+              </a:rPr>
+              <a:t>NCSU. 2022. </a:t>
+            </a:r>
+            <a:r>
+              <a:rPr lang="en-US" sz="1400" dirty="0">
+                <a:solidFill>
+                  <a:schemeClr val="tx1"/>
+                </a:solidFill>
+                <a:effectLst/>
+                <a:ea typeface="Cambria" panose="02040503050406030204" pitchFamily="18" charset="0"/>
+                <a:cs typeface="Times New Roman" panose="02020603050405020304" pitchFamily="18" charset="0"/>
+                <a:hlinkClick r:id="rId6">
+                  <a:extLst>
+                    <a:ext uri="{A12FA001-AC4F-418D-AE19-62706E023703}">
+                      <ahyp:hlinkClr xmlns:ahyp="http://schemas.microsoft.com/office/drawing/2018/hyperlinkcolor" val="tx"/>
+                    </a:ext>
+                  </a:extLst>
+                </a:hlinkClick>
+              </a:rPr>
+              <a:t>Solidago (goldenrod, golden rod)</a:t>
+            </a:r>
+            <a:r>
+              <a:rPr lang="en-US" sz="1400" dirty="0">
+                <a:solidFill>
+                  <a:schemeClr val="tx1"/>
+                </a:solidFill>
+                <a:effectLst/>
+                <a:ea typeface="Cambria" panose="02040503050406030204" pitchFamily="18" charset="0"/>
+                <a:cs typeface="Times New Roman" panose="02020603050405020304" pitchFamily="18" charset="0"/>
+              </a:rPr>
+              <a:t>. Database.</a:t>
+            </a:r>
+          </a:p>
+          <a:p>
+            <a:pPr marL="0" marR="0">
+              <a:spcBef>
+                <a:spcPts val="0"/>
+              </a:spcBef>
+              <a:spcAft>
+                <a:spcPts val="1000"/>
+              </a:spcAft>
+            </a:pPr>
+            <a:r>
+              <a:rPr lang="en-US" sz="1400" dirty="0" err="1">
+                <a:solidFill>
+                  <a:schemeClr val="tx1"/>
+                </a:solidFill>
+                <a:effectLst/>
+                <a:ea typeface="Cambria" panose="02040503050406030204" pitchFamily="18" charset="0"/>
+                <a:cs typeface="Times New Roman" panose="02020603050405020304" pitchFamily="18" charset="0"/>
+              </a:rPr>
+              <a:t>Senapathi</a:t>
+            </a:r>
+            <a:r>
+              <a:rPr lang="en-US" sz="1400" dirty="0">
+                <a:solidFill>
+                  <a:schemeClr val="tx1"/>
+                </a:solidFill>
+                <a:effectLst/>
+                <a:ea typeface="Cambria" panose="02040503050406030204" pitchFamily="18" charset="0"/>
+                <a:cs typeface="Times New Roman" panose="02020603050405020304" pitchFamily="18" charset="0"/>
+              </a:rPr>
+              <a:t>, D., J. C. </a:t>
+            </a:r>
+            <a:r>
+              <a:rPr lang="en-US" sz="1400" dirty="0" err="1">
+                <a:solidFill>
+                  <a:schemeClr val="tx1"/>
+                </a:solidFill>
+                <a:effectLst/>
+                <a:ea typeface="Cambria" panose="02040503050406030204" pitchFamily="18" charset="0"/>
+                <a:cs typeface="Times New Roman" panose="02020603050405020304" pitchFamily="18" charset="0"/>
+              </a:rPr>
+              <a:t>Biesmeijer</a:t>
+            </a:r>
+            <a:r>
+              <a:rPr lang="en-US" sz="1400" dirty="0">
+                <a:solidFill>
+                  <a:schemeClr val="tx1"/>
+                </a:solidFill>
+                <a:effectLst/>
+                <a:ea typeface="Cambria" panose="02040503050406030204" pitchFamily="18" charset="0"/>
+                <a:cs typeface="Times New Roman" panose="02020603050405020304" pitchFamily="18" charset="0"/>
+              </a:rPr>
+              <a:t>, T. D. Breeze, D. Kleijn, S. G. Potts, and L. G. </a:t>
+            </a:r>
+            <a:r>
+              <a:rPr lang="en-US" sz="1400" dirty="0" err="1">
+                <a:solidFill>
+                  <a:schemeClr val="tx1"/>
+                </a:solidFill>
+                <a:effectLst/>
+                <a:ea typeface="Cambria" panose="02040503050406030204" pitchFamily="18" charset="0"/>
+                <a:cs typeface="Times New Roman" panose="02020603050405020304" pitchFamily="18" charset="0"/>
+              </a:rPr>
+              <a:t>Carvalheiro</a:t>
+            </a:r>
+            <a:r>
+              <a:rPr lang="en-US" sz="1400" dirty="0">
+                <a:solidFill>
+                  <a:schemeClr val="tx1"/>
+                </a:solidFill>
+                <a:effectLst/>
+                <a:ea typeface="Cambria" panose="02040503050406030204" pitchFamily="18" charset="0"/>
+                <a:cs typeface="Times New Roman" panose="02020603050405020304" pitchFamily="18" charset="0"/>
+              </a:rPr>
+              <a:t>. 2015. </a:t>
+            </a:r>
+            <a:r>
+              <a:rPr lang="en-US" sz="1400" dirty="0">
+                <a:solidFill>
+                  <a:schemeClr val="tx1"/>
+                </a:solidFill>
+                <a:effectLst/>
+                <a:ea typeface="Cambria" panose="02040503050406030204" pitchFamily="18" charset="0"/>
+                <a:cs typeface="Times New Roman" panose="02020603050405020304" pitchFamily="18" charset="0"/>
+                <a:hlinkClick r:id="rId7">
+                  <a:extLst>
+                    <a:ext uri="{A12FA001-AC4F-418D-AE19-62706E023703}">
+                      <ahyp:hlinkClr xmlns:ahyp="http://schemas.microsoft.com/office/drawing/2018/hyperlinkcolor" val="tx"/>
+                    </a:ext>
+                  </a:extLst>
+                </a:hlinkClick>
+              </a:rPr>
+              <a:t>Pollinator conservation—the difference between managing for pollination services and preserving pollinator diversity</a:t>
+            </a:r>
+            <a:r>
+              <a:rPr lang="en-US" sz="1400" dirty="0">
+                <a:solidFill>
+                  <a:schemeClr val="tx1"/>
+                </a:solidFill>
+                <a:effectLst/>
+                <a:ea typeface="Cambria" panose="02040503050406030204" pitchFamily="18" charset="0"/>
+                <a:cs typeface="Times New Roman" panose="02020603050405020304" pitchFamily="18" charset="0"/>
+              </a:rPr>
+              <a:t>. Current Opinion in Insect Science 12:93–101.</a:t>
+            </a:r>
+          </a:p>
+        </p:txBody>
+      </p:sp>
+      <p:sp>
+        <p:nvSpPr>
+          <p:cNvPr id="11" name="Title 10">
+            <a:extLst>
+              <a:ext uri="{FF2B5EF4-FFF2-40B4-BE49-F238E27FC236}">
+                <a16:creationId xmlns:a16="http://schemas.microsoft.com/office/drawing/2014/main" id="{7B1F8A91-6B6B-292E-063E-309D175B9F99}"/>
+              </a:ext>
+            </a:extLst>
+          </p:cNvPr>
+          <p:cNvSpPr>
+            <a:spLocks noGrp="1"/>
+          </p:cNvSpPr>
+          <p:nvPr>
+            <p:ph type="title"/>
+          </p:nvPr>
+        </p:nvSpPr>
+        <p:spPr/>
+        <p:txBody>
+          <a:bodyPr/>
+          <a:lstStyle/>
+          <a:p>
+            <a:r>
+              <a:rPr lang="en-US" dirty="0"/>
+              <a:t>References</a:t>
+            </a:r>
+          </a:p>
+        </p:txBody>
+      </p:sp>
+    </p:spTree>
+    <p:extLst>
+      <p:ext uri="{BB962C8B-B14F-4D97-AF65-F5344CB8AC3E}">
+        <p14:creationId xmlns:p14="http://schemas.microsoft.com/office/powerpoint/2010/main" val="1499712240"/>
       </p:ext>
     </p:extLst>
   </p:cSld>

--- a/Pollinator abundance survey.pptx
+++ b/Pollinator abundance survey.pptx
@@ -709,6 +709,111 @@
           <a:p>
             <a:r>
               <a:rPr lang="en-US" dirty="0"/>
+              <a:t>Surveys monitored pollinator visits to flowers along a four meter transect for two 10-minute intervals per observer</a:t>
+            </a:r>
+          </a:p>
+          <a:p>
+            <a:r>
+              <a:rPr lang="en-US" dirty="0"/>
+              <a:t>Visit counts are based on number of flowers an individual pollinator visits</a:t>
+            </a:r>
+          </a:p>
+          <a:p>
+            <a:r>
+              <a:rPr lang="en-US" dirty="0"/>
+              <a:t>A total of 38 observations of 1136 pollination visits by Honeybees, Flies, Wasps, Bumble and Carpenter bees, Small bees, Small butterflies, Large butterflies, beetles, and ants</a:t>
+            </a:r>
+          </a:p>
+          <a:p>
+            <a:endParaRPr lang="en-US" dirty="0"/>
+          </a:p>
+          <a:p>
+            <a:endParaRPr lang="en-US" dirty="0"/>
+          </a:p>
+        </p:txBody>
+      </p:sp>
+      <p:sp>
+        <p:nvSpPr>
+          <p:cNvPr id="4" name="Slide Number Placeholder 3"/>
+          <p:cNvSpPr>
+            <a:spLocks noGrp="1"/>
+          </p:cNvSpPr>
+          <p:nvPr>
+            <p:ph type="sldNum" sz="quarter" idx="5"/>
+          </p:nvPr>
+        </p:nvSpPr>
+        <p:spPr/>
+        <p:txBody>
+          <a:bodyPr/>
+          <a:lstStyle/>
+          <a:p>
+            <a:fld id="{22289C57-55D7-40A4-A101-E74FAC7A092B}" type="slidenum">
+              <a:rPr lang="en-US" smtClean="0"/>
+              <a:t>2</a:t>
+            </a:fld>
+            <a:endParaRPr lang="en-US" dirty="0"/>
+          </a:p>
+        </p:txBody>
+      </p:sp>
+    </p:spTree>
+    <p:extLst>
+      <p:ext uri="{BB962C8B-B14F-4D97-AF65-F5344CB8AC3E}">
+        <p14:creationId xmlns:p14="http://schemas.microsoft.com/office/powerpoint/2010/main" val="2773911244"/>
+      </p:ext>
+    </p:extLst>
+  </p:cSld>
+  <p:clrMapOvr>
+    <a:masterClrMapping/>
+  </p:clrMapOvr>
+</p:notes>
+</file>
+
+<file path=ppt/notesSlides/notesSlide2.xml><?xml version="1.0" encoding="utf-8"?>
+<p:notes xmlns:a="http://schemas.openxmlformats.org/drawingml/2006/main" xmlns:r="http://schemas.openxmlformats.org/officeDocument/2006/relationships" xmlns:p="http://schemas.openxmlformats.org/presentationml/2006/main">
+  <p:cSld>
+    <p:spTree>
+      <p:nvGrpSpPr>
+        <p:cNvPr id="1" name=""/>
+        <p:cNvGrpSpPr/>
+        <p:nvPr/>
+      </p:nvGrpSpPr>
+      <p:grpSpPr>
+        <a:xfrm>
+          <a:off x="0" y="0"/>
+          <a:ext cx="0" cy="0"/>
+          <a:chOff x="0" y="0"/>
+          <a:chExt cx="0" cy="0"/>
+        </a:xfrm>
+      </p:grpSpPr>
+      <p:sp>
+        <p:nvSpPr>
+          <p:cNvPr id="2" name="Slide Image Placeholder 1"/>
+          <p:cNvSpPr>
+            <a:spLocks noGrp="1" noRot="1" noChangeAspect="1"/>
+          </p:cNvSpPr>
+          <p:nvPr>
+            <p:ph type="sldImg"/>
+          </p:nvPr>
+        </p:nvSpPr>
+        <p:spPr/>
+      </p:sp>
+      <p:sp>
+        <p:nvSpPr>
+          <p:cNvPr id="3" name="Notes Placeholder 2"/>
+          <p:cNvSpPr>
+            <a:spLocks noGrp="1"/>
+          </p:cNvSpPr>
+          <p:nvPr>
+            <p:ph type="body" idx="1"/>
+          </p:nvPr>
+        </p:nvSpPr>
+        <p:spPr/>
+        <p:txBody>
+          <a:bodyPr/>
+          <a:lstStyle/>
+          <a:p>
+            <a:r>
+              <a:rPr lang="en-US" dirty="0"/>
               <a:t>Pollinator diversity is very low, with this patch favoring honeybees, large-bodied bees, and generalist flies</a:t>
             </a:r>
           </a:p>
@@ -743,7 +848,14 @@
             <a:pPr lvl="2"/>
             <a:r>
               <a:rPr lang="en-US" dirty="0"/>
-              <a:t>Develop a 3-year interval mowing protocol to maintain early successional meadow habitat</a:t>
+              <a:t>Develop a biyearly mowing protocol to maintain early successional meadow habitat. Once before the spring bloom in May and again in August after the flowering period</a:t>
+            </a:r>
+          </a:p>
+          <a:p>
+            <a:pPr lvl="2"/>
+            <a:r>
+              <a:rPr lang="en-US" dirty="0"/>
+              <a:t>Limit cover to &lt;30% for butterflies and ~50% for bees to promote their biodiversity</a:t>
             </a:r>
           </a:p>
           <a:p>
@@ -10607,7 +10719,7 @@
         </p:nvSpPr>
         <p:spPr>
           <a:xfrm>
-            <a:off x="-23184" y="5471712"/>
+            <a:off x="-39446" y="5720468"/>
             <a:ext cx="5284876" cy="1086237"/>
           </a:xfrm>
         </p:spPr>
@@ -10678,8 +10790,8 @@
         </p:nvSpPr>
         <p:spPr>
           <a:xfrm>
-            <a:off x="1648918" y="2567166"/>
-            <a:ext cx="4966252" cy="3170099"/>
+            <a:off x="1663748" y="2297158"/>
+            <a:ext cx="5576830" cy="3693319"/>
           </a:xfrm>
           <a:prstGeom prst="rect">
             <a:avLst/>
@@ -10723,14 +10835,64 @@
             <a:pPr marL="457200"/>
             <a:r>
               <a:rPr lang="en-US" sz="1600" dirty="0"/>
-              <a:t>About 1 in 4 species (~87 of 347 native bee species) are at risk of extinction</a:t>
+              <a:t>About 1 in 4 native bee species are at risk of extinction</a:t>
             </a:r>
           </a:p>
           <a:p>
             <a:pPr marL="457200"/>
             <a:r>
               <a:rPr lang="en-US" sz="1600" dirty="0"/>
-              <a:t>Leading causes include, agricultural intensification, habitat destruction, pesticide use, climate change, and urbanization</a:t>
+              <a:t>Leading causes</a:t>
+            </a:r>
+          </a:p>
+          <a:p>
+            <a:pPr marL="742950" indent="-285750">
+              <a:buFont typeface="Arial" panose="020B0604020202020204" pitchFamily="34" charset="0"/>
+              <a:buChar char="•"/>
+            </a:pPr>
+            <a:r>
+              <a:rPr lang="en-US" sz="1600" dirty="0"/>
+              <a:t>	Agricultural intensification</a:t>
+            </a:r>
+          </a:p>
+          <a:p>
+            <a:pPr marL="742950" indent="-285750">
+              <a:buFont typeface="Arial" panose="020B0604020202020204" pitchFamily="34" charset="0"/>
+              <a:buChar char="•"/>
+            </a:pPr>
+            <a:r>
+              <a:rPr lang="en-US" sz="1600" dirty="0"/>
+              <a:t>	Habitat destruction</a:t>
+            </a:r>
+          </a:p>
+          <a:p>
+            <a:pPr marL="742950" indent="-285750">
+              <a:buFont typeface="Arial" panose="020B0604020202020204" pitchFamily="34" charset="0"/>
+              <a:buChar char="•"/>
+            </a:pPr>
+            <a:r>
+              <a:rPr lang="en-US" sz="1600" dirty="0"/>
+              <a:t>	Pesticide use</a:t>
+            </a:r>
+          </a:p>
+          <a:p>
+            <a:pPr marL="742950" indent="-285750">
+              <a:buFont typeface="Arial" panose="020B0604020202020204" pitchFamily="34" charset="0"/>
+              <a:buChar char="•"/>
+            </a:pPr>
+            <a:r>
+              <a:rPr lang="en-US" sz="1600" dirty="0"/>
+              <a:t>	Climate change </a:t>
+            </a:r>
+          </a:p>
+          <a:p>
+            <a:pPr marL="742950" indent="-285750">
+              <a:buFont typeface="Arial" panose="020B0604020202020204" pitchFamily="34" charset="0"/>
+              <a:buChar char="•"/>
+            </a:pPr>
+            <a:r>
+              <a:rPr lang="en-US" sz="1600" dirty="0"/>
+              <a:t>	Urbanization</a:t>
             </a:r>
           </a:p>
           <a:p>
@@ -10856,23 +11018,56 @@
           <a:p>
             <a:r>
               <a:rPr lang="en-US" dirty="0"/>
-              <a:t>Surveys monitored pollinator visits to flowers along a four meter transect for two 10-minute intervals per observer</a:t>
-            </a:r>
-          </a:p>
-          <a:p>
+              <a:t>Survey</a:t>
+            </a:r>
+          </a:p>
+          <a:p>
+            <a:pPr lvl="1"/>
             <a:r>
               <a:rPr lang="en-US" dirty="0"/>
-              <a:t>Visit counts are based on number of flowers an individual pollinator visits</a:t>
-            </a:r>
-          </a:p>
-          <a:p>
+              <a:t>X2 observations per observer</a:t>
+            </a:r>
+          </a:p>
+          <a:p>
+            <a:pPr lvl="1"/>
             <a:r>
               <a:rPr lang="en-US" dirty="0"/>
-              <a:t>A total of 38 observations of 1136 pollination visits by Honeybees, Flies, Wasps, Bumble and Carpenter bees, Small bees, Small butterflies, Large butterflies, beetles, and ants</a:t>
-            </a:r>
-          </a:p>
-          <a:p>
+              <a:t>10-minute interval along one meter transect</a:t>
+            </a:r>
+          </a:p>
+          <a:p>
+            <a:pPr lvl="1"/>
+            <a:r>
+              <a:rPr lang="en-US" dirty="0"/>
+              <a:t>Visit count = pollinator flower visits</a:t>
+            </a:r>
+          </a:p>
+          <a:p>
+            <a:r>
+              <a:rPr lang="en-US" dirty="0"/>
+              <a:t>38 observations of 1136 flower visits of nine species types</a:t>
+            </a:r>
+          </a:p>
+          <a:p>
+            <a:pPr marL="0" indent="0">
+              <a:buNone/>
+            </a:pPr>
             <a:endParaRPr lang="en-US" dirty="0"/>
+          </a:p>
+          <a:p>
+            <a:pPr marL="0" indent="0">
+              <a:buNone/>
+            </a:pPr>
+            <a:r>
+              <a:rPr lang="en-US" sz="2800" dirty="0"/>
+              <a:t>Statistics</a:t>
+            </a:r>
+          </a:p>
+          <a:p>
+            <a:r>
+              <a:rPr lang="en-US" sz="1800" dirty="0"/>
+              <a:t>Shannon Diversity Index</a:t>
+            </a:r>
           </a:p>
         </p:txBody>
       </p:sp>
@@ -11097,7 +11292,7 @@
           <a:p>
             <a:r>
               <a:rPr lang="en-US" dirty="0"/>
-              <a:t>Reviewed plant-pollination symbiosis in </a:t>
+              <a:t>Reviewed plant-pollination interaction in </a:t>
             </a:r>
             <a:r>
               <a:rPr lang="en-US" i="1" dirty="0"/>
@@ -11108,66 +11303,90 @@
           <a:p>
             <a:pPr lvl="1"/>
             <a:r>
-              <a:rPr lang="en-US" dirty="0" err="1"/>
+              <a:rPr lang="en-US" sz="1800" dirty="0"/>
+              <a:t>Pollinators negatively affected </a:t>
+            </a:r>
+            <a:r>
+              <a:rPr lang="en-US" sz="1200" dirty="0" err="1"/>
               <a:t>Moroń</a:t>
             </a:r>
             <a:r>
+              <a:rPr lang="en-US" sz="1200" dirty="0"/>
+              <a:t> et al. 2009</a:t>
+            </a:r>
+            <a:r>
+              <a:rPr lang="en-US" sz="1200" i="1" dirty="0"/>
+              <a:t> </a:t>
+            </a:r>
+          </a:p>
+          <a:p>
+            <a:pPr lvl="1"/>
+            <a:r>
+              <a:rPr lang="en-US" sz="1800" dirty="0"/>
+              <a:t>Linear and non-linear effects </a:t>
+            </a:r>
+            <a:r>
+              <a:rPr lang="en-US" sz="1200" dirty="0" err="1"/>
+              <a:t>Moroń</a:t>
+            </a:r>
+            <a:r>
+              <a:rPr lang="en-US" sz="1200" dirty="0"/>
+              <a:t> et al. 2019</a:t>
+            </a:r>
+            <a:endParaRPr lang="en-US" sz="1200" i="1" dirty="0"/>
+          </a:p>
+          <a:p>
+            <a:pPr lvl="1"/>
+            <a:r>
+              <a:rPr lang="en-US" sz="1800" dirty="0"/>
+              <a:t>Invader-pollinator paradox </a:t>
+            </a:r>
+            <a:r>
+              <a:rPr lang="en-US" sz="1200" dirty="0" err="1"/>
+              <a:t>Moroń</a:t>
+            </a:r>
+            <a:r>
+              <a:rPr lang="en-US" sz="1200" dirty="0"/>
+              <a:t> et al. 2021</a:t>
+            </a:r>
+          </a:p>
+          <a:p>
+            <a:r>
               <a:rPr lang="en-US" dirty="0"/>
-              <a:t> et al. 2009</a:t>
-            </a:r>
-            <a:r>
-              <a:rPr lang="en-US" i="1" dirty="0"/>
-              <a:t> </a:t>
+              <a:t>Reviewed conservation protocol</a:t>
             </a:r>
           </a:p>
           <a:p>
             <a:pPr lvl="1"/>
             <a:r>
-              <a:rPr lang="en-US" dirty="0" err="1"/>
-              <a:t>Moroń</a:t>
-            </a:r>
-            <a:r>
-              <a:rPr lang="en-US" dirty="0"/>
-              <a:t> et al. 2019</a:t>
-            </a:r>
-            <a:endParaRPr lang="en-US" i="1" dirty="0"/>
+              <a:rPr lang="en-US" sz="1800" dirty="0"/>
+              <a:t>Managing for pollinator services vs pollinator diversity</a:t>
+            </a:r>
+            <a:r>
+              <a:rPr lang="en-US" sz="1200" dirty="0"/>
+              <a:t> 	</a:t>
+            </a:r>
+            <a:r>
+              <a:rPr lang="en-US" sz="1200" dirty="0" err="1"/>
+              <a:t>Senapathi</a:t>
+            </a:r>
+            <a:r>
+              <a:rPr lang="en-US" sz="1200" dirty="0"/>
+              <a:t> et al. 2015</a:t>
+            </a:r>
           </a:p>
           <a:p>
             <a:pPr lvl="1"/>
             <a:r>
-              <a:rPr lang="en-US" dirty="0" err="1"/>
-              <a:t>Moroń</a:t>
-            </a:r>
-            <a:r>
-              <a:rPr lang="en-US" dirty="0"/>
-              <a:t> et al. 2021</a:t>
-            </a:r>
-          </a:p>
-          <a:p>
-            <a:r>
-              <a:rPr lang="en-US" dirty="0"/>
-              <a:t>Reviewed conservation debate</a:t>
-            </a:r>
-          </a:p>
-          <a:p>
-            <a:pPr lvl="1"/>
-            <a:r>
-              <a:rPr lang="en-US" dirty="0" err="1"/>
-              <a:t>Senapathi</a:t>
-            </a:r>
-            <a:r>
-              <a:rPr lang="en-US" dirty="0"/>
-              <a:t> et al. 2015</a:t>
-            </a:r>
-          </a:p>
-          <a:p>
-            <a:pPr lvl="1"/>
-            <a:r>
-              <a:rPr lang="en-US" dirty="0" err="1"/>
+              <a:rPr lang="en-US" sz="1800" dirty="0"/>
+              <a:t>Conservation planning </a:t>
+            </a:r>
+            <a:r>
+              <a:rPr lang="en-US" sz="1200" dirty="0" err="1"/>
               <a:t>Mačić</a:t>
             </a:r>
             <a:r>
-              <a:rPr lang="en-US" dirty="0"/>
+              <a:rPr lang="en-US" sz="1200" dirty="0"/>
               <a:t> et al. 2018</a:t>
             </a:r>
           </a:p>
@@ -11709,13 +11928,13 @@
             <a:pPr lvl="1"/>
             <a:r>
               <a:rPr lang="en-US" dirty="0"/>
-              <a:t>Recent disturbance nearby is likely to decrease diversity further</a:t>
+              <a:t>Recent disturbance nearby</a:t>
             </a:r>
           </a:p>
           <a:p>
             <a:r>
               <a:rPr lang="en-US" dirty="0"/>
-              <a:t>Plant native pollinator garden</a:t>
+              <a:t>Plant native pollinator garden next to Apodaca</a:t>
             </a:r>
           </a:p>
           <a:p>
@@ -11729,7 +11948,14 @@
             <a:pPr lvl="1"/>
             <a:r>
               <a:rPr lang="en-US" dirty="0"/>
-              <a:t>3-year interval mowing management</a:t>
+              <a:t>Mow 2x per year</a:t>
+            </a:r>
+          </a:p>
+          <a:p>
+            <a:pPr lvl="1"/>
+            <a:r>
+              <a:rPr lang="en-US" dirty="0"/>
+              <a:t>Limit Cover</a:t>
             </a:r>
           </a:p>
         </p:txBody>
@@ -11902,7 +12128,12 @@
             <p:ph idx="1"/>
           </p:nvPr>
         </p:nvSpPr>
-        <p:spPr/>
+        <p:spPr>
+          <a:xfrm>
+            <a:off x="1390650" y="1638300"/>
+            <a:ext cx="9601200" cy="3581400"/>
+          </a:xfrm>
+        </p:spPr>
         <p:txBody>
           <a:bodyPr>
             <a:noAutofit/>
@@ -12896,7 +13127,18 @@
                 <a:ea typeface="Cambria" panose="02040503050406030204" pitchFamily="18" charset="0"/>
                 <a:cs typeface="Times New Roman" panose="02020603050405020304" pitchFamily="18" charset="0"/>
               </a:rPr>
-              <a:t>. Biological Invasions 21:947–960.</a:t>
+              <a:t>. Biological Invasions </a:t>
+            </a:r>
+            <a:r>
+              <a:rPr lang="en-US" sz="1400">
+                <a:solidFill>
+                  <a:schemeClr val="tx1"/>
+                </a:solidFill>
+                <a:effectLst/>
+                <a:ea typeface="Cambria" panose="02040503050406030204" pitchFamily="18" charset="0"/>
+                <a:cs typeface="Times New Roman" panose="02020603050405020304" pitchFamily="18" charset="0"/>
+              </a:rPr>
+              <a:t>21:947–960. </a:t>
             </a:r>
           </a:p>
           <a:p>
@@ -12909,57 +13151,7 @@
               </a:spcAft>
             </a:pPr>
             <a:r>
-              <a:rPr lang="en-US" sz="1400" dirty="0">
-                <a:solidFill>
-                  <a:schemeClr val="tx1"/>
-                </a:solidFill>
-                <a:effectLst/>
-                <a:ea typeface="Cambria" panose="02040503050406030204" pitchFamily="18" charset="0"/>
-                <a:cs typeface="Times New Roman" panose="02020603050405020304" pitchFamily="18" charset="0"/>
-              </a:rPr>
-              <a:t>NCSU. 2022. </a:t>
-            </a:r>
-            <a:r>
-              <a:rPr lang="en-US" sz="1400" dirty="0">
-                <a:solidFill>
-                  <a:schemeClr val="tx1"/>
-                </a:solidFill>
-                <a:effectLst/>
-                <a:ea typeface="Cambria" panose="02040503050406030204" pitchFamily="18" charset="0"/>
-                <a:cs typeface="Times New Roman" panose="02020603050405020304" pitchFamily="18" charset="0"/>
-                <a:hlinkClick r:id="rId6">
-                  <a:extLst>
-                    <a:ext uri="{A12FA001-AC4F-418D-AE19-62706E023703}">
-                      <ahyp:hlinkClr xmlns:ahyp="http://schemas.microsoft.com/office/drawing/2018/hyperlinkcolor" val="tx"/>
-                    </a:ext>
-                  </a:extLst>
-                </a:hlinkClick>
-              </a:rPr>
-              <a:t>Solidago (goldenrod, golden rod)</a:t>
-            </a:r>
-            <a:r>
-              <a:rPr lang="en-US" sz="1400" dirty="0">
-                <a:solidFill>
-                  <a:schemeClr val="tx1"/>
-                </a:solidFill>
-                <a:effectLst/>
-                <a:ea typeface="Cambria" panose="02040503050406030204" pitchFamily="18" charset="0"/>
-                <a:cs typeface="Times New Roman" panose="02020603050405020304" pitchFamily="18" charset="0"/>
-              </a:rPr>
-              <a:t>. Database.</a:t>
-            </a:r>
-          </a:p>
-          <a:p>
-            <a:pPr marL="0" marR="0">
-              <a:spcBef>
-                <a:spcPts val="0"/>
-              </a:spcBef>
-              <a:spcAft>
-                <a:spcPts val="1000"/>
-              </a:spcAft>
-            </a:pPr>
-            <a:r>
-              <a:rPr lang="en-US" sz="1400" dirty="0" err="1">
+              <a:rPr lang="en-US" sz="1400">
                 <a:solidFill>
                   <a:schemeClr val="tx1"/>
                 </a:solidFill>
@@ -13032,7 +13224,7 @@
                 <a:effectLst/>
                 <a:ea typeface="Cambria" panose="02040503050406030204" pitchFamily="18" charset="0"/>
                 <a:cs typeface="Times New Roman" panose="02020603050405020304" pitchFamily="18" charset="0"/>
-                <a:hlinkClick r:id="rId7">
+                <a:hlinkClick r:id="rId6">
                   <a:extLst>
                     <a:ext uri="{A12FA001-AC4F-418D-AE19-62706E023703}">
                       <ahyp:hlinkClr xmlns:ahyp="http://schemas.microsoft.com/office/drawing/2018/hyperlinkcolor" val="tx"/>
@@ -13946,34 +14138,6 @@
 </file>
 
 <file path=customXml/item1.xml><?xml version="1.0" encoding="utf-8"?>
-<?mso-contentType ?>
-<FormTemplates xmlns="http://schemas.microsoft.com/sharepoint/v3/contenttype/forms">
-  <Display>DocumentLibraryForm</Display>
-  <Edit>DocumentLibraryForm</Edit>
-  <New>DocumentLibraryForm</New>
-</FormTemplates>
-</file>
-
-<file path=customXml/item2.xml><?xml version="1.0" encoding="utf-8"?>
-<p:properties xmlns:p="http://schemas.microsoft.com/office/2006/metadata/properties" xmlns:xsi="http://www.w3.org/2001/XMLSchema-instance" xmlns:pc="http://schemas.microsoft.com/office/infopath/2007/PartnerControls">
-  <documentManagement>
-    <_ip_UnifiedCompliancePolicyUIAction xmlns="http://schemas.microsoft.com/sharepoint/v3" xsi:nil="true"/>
-    <Image xmlns="71af3243-3dd4-4a8d-8c0d-dd76da1f02a5">
-      <Url xsi:nil="true"/>
-      <Description xsi:nil="true"/>
-    </Image>
-    <Status xmlns="71af3243-3dd4-4a8d-8c0d-dd76da1f02a5">Not started</Status>
-    <_ip_UnifiedCompliancePolicyProperties xmlns="http://schemas.microsoft.com/sharepoint/v3" xsi:nil="true"/>
-    <ImageTagsTaxHTField xmlns="71af3243-3dd4-4a8d-8c0d-dd76da1f02a5">
-      <Terms xmlns="http://schemas.microsoft.com/office/infopath/2007/PartnerControls"/>
-    </ImageTagsTaxHTField>
-    <TaxCatchAll xmlns="230e9df3-be65-4c73-a93b-d1236ebd677e"/>
-    <MediaServiceKeyPoints xmlns="71af3243-3dd4-4a8d-8c0d-dd76da1f02a5" xsi:nil="true"/>
-  </documentManagement>
-</p:properties>
-</file>
-
-<file path=customXml/item3.xml><?xml version="1.0" encoding="utf-8"?>
 <ct:contentTypeSchema xmlns:ct="http://schemas.microsoft.com/office/2006/metadata/contentType" xmlns:ma="http://schemas.microsoft.com/office/2006/metadata/properties/metaAttributes" ct:_="" ma:_="" ma:contentTypeName="Document" ma:contentTypeID="0x01010079F111ED35F8CC479449609E8A0923A6" ma:contentTypeVersion="20" ma:contentTypeDescription="Create a new document." ma:contentTypeScope="" ma:versionID="1267097ee5f5874adfcc408041ae252e">
   <xsd:schema xmlns:xsd="http://www.w3.org/2001/XMLSchema" xmlns:xs="http://www.w3.org/2001/XMLSchema" xmlns:p="http://schemas.microsoft.com/office/2006/metadata/properties" xmlns:ns1="http://schemas.microsoft.com/sharepoint/v3" xmlns:ns2="71af3243-3dd4-4a8d-8c0d-dd76da1f02a5" xmlns:ns3="16c05727-aa75-4e4a-9b5f-8a80a1165891" xmlns:ns4="230e9df3-be65-4c73-a93b-d1236ebd677e" targetNamespace="http://schemas.microsoft.com/office/2006/metadata/properties" ma:root="true" ma:fieldsID="395891a93df65b14727750f2c06c306c" ns1:_="" ns2:_="" ns3:_="" ns4:_="">
     <xsd:import namespace="http://schemas.microsoft.com/sharepoint/v3"/>
@@ -14249,27 +14413,35 @@
 </ct:contentTypeSchema>
 </file>
 
-<file path=customXml/itemProps1.xml><?xml version="1.0" encoding="utf-8"?>
-<ds:datastoreItem xmlns:ds="http://schemas.openxmlformats.org/officeDocument/2006/customXml" ds:itemID="{0FD6FE22-81A0-4500-AFD0-342D21BB9A2C}">
-  <ds:schemaRefs>
-    <ds:schemaRef ds:uri="http://schemas.microsoft.com/sharepoint/v3/contenttype/forms"/>
-  </ds:schemaRefs>
-</ds:datastoreItem>
+<file path=customXml/item2.xml><?xml version="1.0" encoding="utf-8"?>
+<p:properties xmlns:p="http://schemas.microsoft.com/office/2006/metadata/properties" xmlns:xsi="http://www.w3.org/2001/XMLSchema-instance" xmlns:pc="http://schemas.microsoft.com/office/infopath/2007/PartnerControls">
+  <documentManagement>
+    <_ip_UnifiedCompliancePolicyUIAction xmlns="http://schemas.microsoft.com/sharepoint/v3" xsi:nil="true"/>
+    <Image xmlns="71af3243-3dd4-4a8d-8c0d-dd76da1f02a5">
+      <Url xsi:nil="true"/>
+      <Description xsi:nil="true"/>
+    </Image>
+    <Status xmlns="71af3243-3dd4-4a8d-8c0d-dd76da1f02a5">Not started</Status>
+    <_ip_UnifiedCompliancePolicyProperties xmlns="http://schemas.microsoft.com/sharepoint/v3" xsi:nil="true"/>
+    <ImageTagsTaxHTField xmlns="71af3243-3dd4-4a8d-8c0d-dd76da1f02a5">
+      <Terms xmlns="http://schemas.microsoft.com/office/infopath/2007/PartnerControls"/>
+    </ImageTagsTaxHTField>
+    <TaxCatchAll xmlns="230e9df3-be65-4c73-a93b-d1236ebd677e"/>
+    <MediaServiceKeyPoints xmlns="71af3243-3dd4-4a8d-8c0d-dd76da1f02a5" xsi:nil="true"/>
+  </documentManagement>
+</p:properties>
 </file>
 
-<file path=customXml/itemProps2.xml><?xml version="1.0" encoding="utf-8"?>
-<ds:datastoreItem xmlns:ds="http://schemas.openxmlformats.org/officeDocument/2006/customXml" ds:itemID="{29C43685-694E-4579-B109-3C418D49DA65}">
-  <ds:schemaRefs>
-    <ds:schemaRef ds:uri="http://schemas.microsoft.com/office/2006/metadata/properties"/>
-    <ds:schemaRef ds:uri="http://schemas.microsoft.com/office/infopath/2007/PartnerControls"/>
-    <ds:schemaRef ds:uri="http://schemas.microsoft.com/sharepoint/v3"/>
-    <ds:schemaRef ds:uri="71af3243-3dd4-4a8d-8c0d-dd76da1f02a5"/>
-    <ds:schemaRef ds:uri="230e9df3-be65-4c73-a93b-d1236ebd677e"/>
-  </ds:schemaRefs>
-</ds:datastoreItem>
+<file path=customXml/item3.xml><?xml version="1.0" encoding="utf-8"?>
+<?mso-contentType ?>
+<FormTemplates xmlns="http://schemas.microsoft.com/sharepoint/v3/contenttype/forms">
+  <Display>DocumentLibraryForm</Display>
+  <Edit>DocumentLibraryForm</Edit>
+  <New>DocumentLibraryForm</New>
+</FormTemplates>
 </file>
 
-<file path=customXml/itemProps3.xml><?xml version="1.0" encoding="utf-8"?>
+<file path=customXml/itemProps1.xml><?xml version="1.0" encoding="utf-8"?>
 <ds:datastoreItem xmlns:ds="http://schemas.openxmlformats.org/officeDocument/2006/customXml" ds:itemID="{CC96B61E-1B64-430F-934F-7D1B90028029}">
   <ds:schemaRefs>
     <ds:schemaRef ds:uri="http://schemas.microsoft.com/office/2006/metadata/contentType"/>
@@ -14290,6 +14462,26 @@
 </ds:datastoreItem>
 </file>
 
+<file path=customXml/itemProps2.xml><?xml version="1.0" encoding="utf-8"?>
+<ds:datastoreItem xmlns:ds="http://schemas.openxmlformats.org/officeDocument/2006/customXml" ds:itemID="{29C43685-694E-4579-B109-3C418D49DA65}">
+  <ds:schemaRefs>
+    <ds:schemaRef ds:uri="http://schemas.microsoft.com/office/2006/metadata/properties"/>
+    <ds:schemaRef ds:uri="http://schemas.microsoft.com/office/infopath/2007/PartnerControls"/>
+    <ds:schemaRef ds:uri="http://schemas.microsoft.com/sharepoint/v3"/>
+    <ds:schemaRef ds:uri="71af3243-3dd4-4a8d-8c0d-dd76da1f02a5"/>
+    <ds:schemaRef ds:uri="230e9df3-be65-4c73-a93b-d1236ebd677e"/>
+  </ds:schemaRefs>
+</ds:datastoreItem>
+</file>
+
+<file path=customXml/itemProps3.xml><?xml version="1.0" encoding="utf-8"?>
+<ds:datastoreItem xmlns:ds="http://schemas.openxmlformats.org/officeDocument/2006/customXml" ds:itemID="{0FD6FE22-81A0-4500-AFD0-342D21BB9A2C}">
+  <ds:schemaRefs>
+    <ds:schemaRef ds:uri="http://schemas.microsoft.com/sharepoint/v3/contenttype/forms"/>
+  </ds:schemaRefs>
+</ds:datastoreItem>
+</file>
+
 <file path=docMetadata/LabelInfo.xml><?xml version="1.0" encoding="utf-8"?>
 <clbl:labelList xmlns:clbl="http://schemas.microsoft.com/office/2020/mipLabelMetadata">
   <clbl:label id="{f42aa342-8706-4288-bd11-ebb85995028c}" enabled="1" method="Standard" siteId="{72f988bf-86f1-41af-91ab-2d7cd011db47}" removed="0"/>

--- a/Pollinator abundance survey.pptx
+++ b/Pollinator abundance survey.pptx
@@ -219,7 +219,7 @@
           <a:p>
             <a:fld id="{B56F32FC-4BD9-442A-A8C6-51598C909FE3}" type="datetimeFigureOut">
               <a:rPr lang="en-US" smtClean="0"/>
-              <a:t>12/11/2022</a:t>
+              <a:t>12/12/2022</a:t>
             </a:fld>
             <a:endParaRPr lang="en-US" dirty="0"/>
           </a:p>
@@ -14414,6 +14414,15 @@
 </file>
 
 <file path=customXml/item2.xml><?xml version="1.0" encoding="utf-8"?>
+<?mso-contentType ?>
+<FormTemplates xmlns="http://schemas.microsoft.com/sharepoint/v3/contenttype/forms">
+  <Display>DocumentLibraryForm</Display>
+  <Edit>DocumentLibraryForm</Edit>
+  <New>DocumentLibraryForm</New>
+</FormTemplates>
+</file>
+
+<file path=customXml/item3.xml><?xml version="1.0" encoding="utf-8"?>
 <p:properties xmlns:p="http://schemas.microsoft.com/office/2006/metadata/properties" xmlns:xsi="http://www.w3.org/2001/XMLSchema-instance" xmlns:pc="http://schemas.microsoft.com/office/infopath/2007/PartnerControls">
   <documentManagement>
     <_ip_UnifiedCompliancePolicyUIAction xmlns="http://schemas.microsoft.com/sharepoint/v3" xsi:nil="true"/>
@@ -14430,15 +14439,6 @@
     <MediaServiceKeyPoints xmlns="71af3243-3dd4-4a8d-8c0d-dd76da1f02a5" xsi:nil="true"/>
   </documentManagement>
 </p:properties>
-</file>
-
-<file path=customXml/item3.xml><?xml version="1.0" encoding="utf-8"?>
-<?mso-contentType ?>
-<FormTemplates xmlns="http://schemas.microsoft.com/sharepoint/v3/contenttype/forms">
-  <Display>DocumentLibraryForm</Display>
-  <Edit>DocumentLibraryForm</Edit>
-  <New>DocumentLibraryForm</New>
-</FormTemplates>
 </file>
 
 <file path=customXml/itemProps1.xml><?xml version="1.0" encoding="utf-8"?>
@@ -14463,6 +14463,14 @@
 </file>
 
 <file path=customXml/itemProps2.xml><?xml version="1.0" encoding="utf-8"?>
+<ds:datastoreItem xmlns:ds="http://schemas.openxmlformats.org/officeDocument/2006/customXml" ds:itemID="{0FD6FE22-81A0-4500-AFD0-342D21BB9A2C}">
+  <ds:schemaRefs>
+    <ds:schemaRef ds:uri="http://schemas.microsoft.com/sharepoint/v3/contenttype/forms"/>
+  </ds:schemaRefs>
+</ds:datastoreItem>
+</file>
+
+<file path=customXml/itemProps3.xml><?xml version="1.0" encoding="utf-8"?>
 <ds:datastoreItem xmlns:ds="http://schemas.openxmlformats.org/officeDocument/2006/customXml" ds:itemID="{29C43685-694E-4579-B109-3C418D49DA65}">
   <ds:schemaRefs>
     <ds:schemaRef ds:uri="http://schemas.microsoft.com/office/2006/metadata/properties"/>
@@ -14474,14 +14482,6 @@
 </ds:datastoreItem>
 </file>
 
-<file path=customXml/itemProps3.xml><?xml version="1.0" encoding="utf-8"?>
-<ds:datastoreItem xmlns:ds="http://schemas.openxmlformats.org/officeDocument/2006/customXml" ds:itemID="{0FD6FE22-81A0-4500-AFD0-342D21BB9A2C}">
-  <ds:schemaRefs>
-    <ds:schemaRef ds:uri="http://schemas.microsoft.com/sharepoint/v3/contenttype/forms"/>
-  </ds:schemaRefs>
-</ds:datastoreItem>
-</file>
-
 <file path=docMetadata/LabelInfo.xml><?xml version="1.0" encoding="utf-8"?>
 <clbl:labelList xmlns:clbl="http://schemas.microsoft.com/office/2020/mipLabelMetadata">
   <clbl:label id="{f42aa342-8706-4288-bd11-ebb85995028c}" enabled="1" method="Standard" siteId="{72f988bf-86f1-41af-91ab-2d7cd011db47}" removed="0"/>
